--- a/Final Presentation.pptx
+++ b/Final Presentation.pptx
@@ -5,8 +5,11 @@
     <p:sldMasterId id="2147483648" r:id="rId1"/>
   </p:sldMasterIdLst>
   <p:notesMasterIdLst>
-    <p:notesMasterId r:id="rId20"/>
+    <p:notesMasterId r:id="rId19"/>
   </p:notesMasterIdLst>
+  <p:handoutMasterIdLst>
+    <p:handoutMasterId r:id="rId20"/>
+  </p:handoutMasterIdLst>
   <p:sldIdLst>
     <p:sldId id="256" r:id="rId2"/>
     <p:sldId id="257" r:id="rId3"/>
@@ -19,13 +22,12 @@
     <p:sldId id="288" r:id="rId10"/>
     <p:sldId id="279" r:id="rId11"/>
     <p:sldId id="280" r:id="rId12"/>
-    <p:sldId id="285" r:id="rId13"/>
-    <p:sldId id="281" r:id="rId14"/>
-    <p:sldId id="272" r:id="rId15"/>
-    <p:sldId id="286" r:id="rId16"/>
-    <p:sldId id="273" r:id="rId17"/>
-    <p:sldId id="274" r:id="rId18"/>
-    <p:sldId id="287" r:id="rId19"/>
+    <p:sldId id="281" r:id="rId13"/>
+    <p:sldId id="272" r:id="rId14"/>
+    <p:sldId id="286" r:id="rId15"/>
+    <p:sldId id="273" r:id="rId16"/>
+    <p:sldId id="274" r:id="rId17"/>
+    <p:sldId id="287" r:id="rId18"/>
   </p:sldIdLst>
   <p:sldSz cx="9144000" cy="6858000" type="screen4x3"/>
   <p:notesSz cx="6858000" cy="9144000"/>
@@ -36,12 +38,12 @@
       <p:bold r:id="rId22"/>
     </p:embeddedFont>
     <p:embeddedFont>
-      <p:font typeface="맑은 고딕" panose="020B0503020000020004" pitchFamily="50" charset="-127"/>
+      <p:font typeface="Segoe WP" panose="020B0604020202020204" charset="0"/>
       <p:regular r:id="rId23"/>
       <p:bold r:id="rId24"/>
     </p:embeddedFont>
     <p:embeddedFont>
-      <p:font typeface="Segoe WP" panose="020B0604020202020204" charset="0"/>
+      <p:font typeface="맑은 고딕" panose="020B0503020000020004" pitchFamily="50" charset="-127"/>
       <p:regular r:id="rId25"/>
       <p:bold r:id="rId26"/>
     </p:embeddedFont>
@@ -160,8 +162,202 @@
         </p15:guide>
       </p15:sldGuideLst>
     </p:ext>
+    <p:ext uri="{2D200454-40CA-4A62-9FC3-DE9A4176ACB9}">
+      <p15:notesGuideLst xmlns:p15="http://schemas.microsoft.com/office/powerpoint/2012/main"/>
+    </p:ext>
   </p:extLst>
 </p:presentation>
+</file>
+
+<file path=ppt/commentAuthors.xml><?xml version="1.0" encoding="utf-8"?>
+<p:cmAuthorLst xmlns:a="http://schemas.openxmlformats.org/drawingml/2006/main" xmlns:r="http://schemas.openxmlformats.org/officeDocument/2006/relationships" xmlns:p="http://schemas.openxmlformats.org/presentationml/2006/main">
+  <p:cmAuthor id="1" name="Ohsang Yoo" initials="OY" lastIdx="1" clrIdx="0">
+    <p:extLst>
+      <p:ext uri="{19B8F6BF-5375-455C-9EA6-DF929625EA0E}">
+        <p15:presenceInfo xmlns:p15="http://schemas.microsoft.com/office/powerpoint/2012/main" userId="e1cb7bfa69c4962e" providerId="Windows Live"/>
+      </p:ext>
+    </p:extLst>
+  </p:cmAuthor>
+</p:cmAuthorLst>
+</file>
+
+<file path=ppt/comments/comment1.xml><?xml version="1.0" encoding="utf-8"?>
+<p:cmLst xmlns:a="http://schemas.openxmlformats.org/drawingml/2006/main" xmlns:r="http://schemas.openxmlformats.org/officeDocument/2006/relationships" xmlns:p="http://schemas.openxmlformats.org/presentationml/2006/main">
+  <p:cm authorId="1" dt="2015-07-16T19:08:49.094" idx="1">
+    <p:pos x="10" y="10"/>
+    <p:text/>
+    <p:extLst>
+      <p:ext uri="{C676402C-5697-4E1C-873F-D02D1690AC5C}">
+        <p15:threadingInfo xmlns:p15="http://schemas.microsoft.com/office/powerpoint/2012/main" timeZoneBias="-540"/>
+      </p:ext>
+    </p:extLst>
+  </p:cm>
+</p:cmLst>
+</file>
+
+<file path=ppt/handoutMasters/handoutMaster1.xml><?xml version="1.0" encoding="utf-8"?>
+<p:handoutMaster xmlns:a="http://schemas.openxmlformats.org/drawingml/2006/main" xmlns:r="http://schemas.openxmlformats.org/officeDocument/2006/relationships" xmlns:p="http://schemas.openxmlformats.org/presentationml/2006/main">
+  <p:cSld>
+    <p:bg>
+      <p:bgRef idx="1001">
+        <a:schemeClr val="bg1"/>
+      </p:bgRef>
+    </p:bg>
+    <p:spTree>
+      <p:nvGrpSpPr>
+        <p:cNvPr id="1" name=""/>
+        <p:cNvGrpSpPr/>
+        <p:nvPr/>
+      </p:nvGrpSpPr>
+      <p:grpSpPr>
+        <a:xfrm>
+          <a:off x="0" y="0"/>
+          <a:ext cx="0" cy="0"/>
+          <a:chOff x="0" y="0"/>
+          <a:chExt cx="0" cy="0"/>
+        </a:xfrm>
+      </p:grpSpPr>
+      <p:sp>
+        <p:nvSpPr>
+          <p:cNvPr id="2" name="머리글 개체 틀 1"/>
+          <p:cNvSpPr>
+            <a:spLocks noGrp="1"/>
+          </p:cNvSpPr>
+          <p:nvPr>
+            <p:ph type="hdr" sz="quarter"/>
+          </p:nvPr>
+        </p:nvSpPr>
+        <p:spPr>
+          <a:xfrm>
+            <a:off x="0" y="0"/>
+            <a:ext cx="2971800" cy="458788"/>
+          </a:xfrm>
+          <a:prstGeom prst="rect">
+            <a:avLst/>
+          </a:prstGeom>
+        </p:spPr>
+        <p:txBody>
+          <a:bodyPr vert="horz" lIns="91440" tIns="45720" rIns="91440" bIns="45720" rtlCol="0"/>
+          <a:lstStyle>
+            <a:lvl1pPr algn="l">
+              <a:defRPr sz="1200"/>
+            </a:lvl1pPr>
+          </a:lstStyle>
+          <a:p>
+            <a:endParaRPr lang="ko-KR" altLang="en-US"/>
+          </a:p>
+        </p:txBody>
+      </p:sp>
+      <p:sp>
+        <p:nvSpPr>
+          <p:cNvPr id="3" name="날짜 개체 틀 2"/>
+          <p:cNvSpPr>
+            <a:spLocks noGrp="1"/>
+          </p:cNvSpPr>
+          <p:nvPr>
+            <p:ph type="dt" sz="quarter" idx="1"/>
+          </p:nvPr>
+        </p:nvSpPr>
+        <p:spPr>
+          <a:xfrm>
+            <a:off x="3884613" y="0"/>
+            <a:ext cx="2971800" cy="458788"/>
+          </a:xfrm>
+          <a:prstGeom prst="rect">
+            <a:avLst/>
+          </a:prstGeom>
+        </p:spPr>
+        <p:txBody>
+          <a:bodyPr vert="horz" lIns="91440" tIns="45720" rIns="91440" bIns="45720" rtlCol="0"/>
+          <a:lstStyle>
+            <a:lvl1pPr algn="r">
+              <a:defRPr sz="1200"/>
+            </a:lvl1pPr>
+          </a:lstStyle>
+          <a:p>
+            <a:fld id="{285E2904-DEBD-4478-8CA5-D02C043578A5}" type="datetimeFigureOut">
+              <a:rPr lang="ko-KR" altLang="en-US" smtClean="0"/>
+              <a:t>2015-07-16</a:t>
+            </a:fld>
+            <a:endParaRPr lang="ko-KR" altLang="en-US"/>
+          </a:p>
+        </p:txBody>
+      </p:sp>
+      <p:sp>
+        <p:nvSpPr>
+          <p:cNvPr id="4" name="바닥글 개체 틀 3"/>
+          <p:cNvSpPr>
+            <a:spLocks noGrp="1"/>
+          </p:cNvSpPr>
+          <p:nvPr>
+            <p:ph type="ftr" sz="quarter" idx="2"/>
+          </p:nvPr>
+        </p:nvSpPr>
+        <p:spPr>
+          <a:xfrm>
+            <a:off x="0" y="8685213"/>
+            <a:ext cx="2971800" cy="458787"/>
+          </a:xfrm>
+          <a:prstGeom prst="rect">
+            <a:avLst/>
+          </a:prstGeom>
+        </p:spPr>
+        <p:txBody>
+          <a:bodyPr vert="horz" lIns="91440" tIns="45720" rIns="91440" bIns="45720" rtlCol="0" anchor="b"/>
+          <a:lstStyle>
+            <a:lvl1pPr algn="l">
+              <a:defRPr sz="1200"/>
+            </a:lvl1pPr>
+          </a:lstStyle>
+          <a:p>
+            <a:endParaRPr lang="ko-KR" altLang="en-US"/>
+          </a:p>
+        </p:txBody>
+      </p:sp>
+      <p:sp>
+        <p:nvSpPr>
+          <p:cNvPr id="5" name="슬라이드 번호 개체 틀 4"/>
+          <p:cNvSpPr>
+            <a:spLocks noGrp="1"/>
+          </p:cNvSpPr>
+          <p:nvPr>
+            <p:ph type="sldNum" sz="quarter" idx="3"/>
+          </p:nvPr>
+        </p:nvSpPr>
+        <p:spPr>
+          <a:xfrm>
+            <a:off x="3884613" y="8685213"/>
+            <a:ext cx="2971800" cy="458787"/>
+          </a:xfrm>
+          <a:prstGeom prst="rect">
+            <a:avLst/>
+          </a:prstGeom>
+        </p:spPr>
+        <p:txBody>
+          <a:bodyPr vert="horz" lIns="91440" tIns="45720" rIns="91440" bIns="45720" rtlCol="0" anchor="b"/>
+          <a:lstStyle>
+            <a:lvl1pPr algn="r">
+              <a:defRPr sz="1200"/>
+            </a:lvl1pPr>
+          </a:lstStyle>
+          <a:p>
+            <a:fld id="{5E23B75B-1D54-4640-9EDA-A9E28A7665E8}" type="slidenum">
+              <a:rPr lang="ko-KR" altLang="en-US" smtClean="0"/>
+              <a:t>‹#›</a:t>
+            </a:fld>
+            <a:endParaRPr lang="ko-KR" altLang="en-US"/>
+          </a:p>
+        </p:txBody>
+      </p:sp>
+    </p:spTree>
+    <p:extLst>
+      <p:ext uri="{BB962C8B-B14F-4D97-AF65-F5344CB8AC3E}">
+        <p14:creationId xmlns:p14="http://schemas.microsoft.com/office/powerpoint/2010/main" val="1170827152"/>
+      </p:ext>
+    </p:extLst>
+  </p:cSld>
+  <p:clrMap bg1="lt1" tx1="dk1" bg2="lt2" tx2="dk2" accent1="accent1" accent2="accent2" accent3="accent3" accent4="accent4" accent5="accent5" accent6="accent6" hlink="hlink" folHlink="folHlink"/>
+</p:handoutMaster>
 </file>
 
 <file path=ppt/notesMasters/notesMaster1.xml><?xml version="1.0" encoding="utf-8"?>
@@ -871,19 +1067,7 @@
                 <a:ea typeface="+mn-ea"/>
                 <a:cs typeface="+mn-cs"/>
               </a:rPr>
-              <a:t>Quadratic Discriminant Analysis deducting the function classifies groups of employment or unemployment which the cases are corresponded to. If you want further information about</a:t>
-            </a:r>
-            <a:r>
-              <a:rPr lang="en-US" altLang="ko-KR" sz="1200" kern="1200" baseline="0" dirty="0" smtClean="0">
-                <a:solidFill>
-                  <a:schemeClr val="tx1"/>
-                </a:solidFill>
-                <a:effectLst/>
-                <a:latin typeface="+mn-lt"/>
-                <a:ea typeface="+mn-ea"/>
-                <a:cs typeface="+mn-cs"/>
-              </a:rPr>
-              <a:t> this method, google it.</a:t>
+              <a:t>Quadratic Discriminant Analysis deducting the function classifies groups of employment or unemployment which the cases are corresponded to. </a:t>
             </a:r>
           </a:p>
           <a:p>
@@ -1020,6 +1204,23 @@
           <a:bodyPr/>
           <a:lstStyle/>
           <a:p>
+            <a:pPr marL="0" marR="0" indent="0" algn="l" defTabSz="914400" rtl="0" eaLnBrk="1" fontAlgn="auto" latinLnBrk="1" hangingPunct="1">
+              <a:lnSpc>
+                <a:spcPct val="100000"/>
+              </a:lnSpc>
+              <a:spcBef>
+                <a:spcPts val="0"/>
+              </a:spcBef>
+              <a:spcAft>
+                <a:spcPts val="0"/>
+              </a:spcAft>
+              <a:buClrTx/>
+              <a:buSzTx/>
+              <a:buFontTx/>
+              <a:buNone/>
+              <a:tabLst/>
+              <a:defRPr/>
+            </a:pPr>
             <a:r>
               <a:rPr lang="en-US" altLang="ko-KR" sz="1200" kern="1200" dirty="0" smtClean="0">
                 <a:solidFill>
@@ -1030,10 +1231,27 @@
                 <a:ea typeface="+mn-ea"/>
                 <a:cs typeface="+mn-cs"/>
               </a:rPr>
-              <a:t>Classification Tree Analysis is used when the predicted outcome is the class which the data belongs to.</a:t>
-            </a:r>
-          </a:p>
-          <a:p>
+              <a:t>The result of the visualization is as right above. Interpretation the results of Classification tree analysis are very intuitive. </a:t>
+            </a:r>
+          </a:p>
+          <a:p>
+            <a:pPr marL="0" marR="0" indent="0" algn="l" defTabSz="914400" rtl="0" eaLnBrk="1" fontAlgn="auto" latinLnBrk="1" hangingPunct="1">
+              <a:lnSpc>
+                <a:spcPct val="100000"/>
+              </a:lnSpc>
+              <a:spcBef>
+                <a:spcPts val="0"/>
+              </a:spcBef>
+              <a:spcAft>
+                <a:spcPts val="0"/>
+              </a:spcAft>
+              <a:buClrTx/>
+              <a:buSzTx/>
+              <a:buFontTx/>
+              <a:buNone/>
+              <a:tabLst/>
+              <a:defRPr/>
+            </a:pPr>
             <a:endParaRPr lang="en-US" altLang="ko-KR" sz="1200" kern="1200" dirty="0" smtClean="0">
               <a:solidFill>
                 <a:schemeClr val="tx1"/>
@@ -1045,6 +1263,23 @@
             </a:endParaRPr>
           </a:p>
           <a:p>
+            <a:pPr marL="0" marR="0" indent="0" algn="l" defTabSz="914400" rtl="0" eaLnBrk="1" fontAlgn="auto" latinLnBrk="1" hangingPunct="1">
+              <a:lnSpc>
+                <a:spcPct val="100000"/>
+              </a:lnSpc>
+              <a:spcBef>
+                <a:spcPts val="0"/>
+              </a:spcBef>
+              <a:spcAft>
+                <a:spcPts val="0"/>
+              </a:spcAft>
+              <a:buClrTx/>
+              <a:buSzTx/>
+              <a:buFontTx/>
+              <a:buNone/>
+              <a:tabLst/>
+              <a:defRPr/>
+            </a:pPr>
             <a:r>
               <a:rPr lang="en-US" altLang="ko-KR" sz="1200" kern="1200" dirty="0" smtClean="0">
                 <a:solidFill>
@@ -1055,8 +1290,78 @@
                 <a:ea typeface="+mn-ea"/>
                 <a:cs typeface="+mn-cs"/>
               </a:rPr>
-              <a:t>In tree structures, leaves represent class labels and branches represent conjunctions of features that lead to those class labels.</a:t>
-            </a:r>
+              <a:t>With comparing the value corresponding to each independent variable, we proceed step by step. </a:t>
+            </a:r>
+          </a:p>
+          <a:p>
+            <a:pPr marL="0" marR="0" indent="0" algn="l" defTabSz="914400" rtl="0" eaLnBrk="1" fontAlgn="auto" latinLnBrk="1" hangingPunct="1">
+              <a:lnSpc>
+                <a:spcPct val="100000"/>
+              </a:lnSpc>
+              <a:spcBef>
+                <a:spcPts val="0"/>
+              </a:spcBef>
+              <a:spcAft>
+                <a:spcPts val="0"/>
+              </a:spcAft>
+              <a:buClrTx/>
+              <a:buSzTx/>
+              <a:buFontTx/>
+              <a:buNone/>
+              <a:tabLst/>
+              <a:defRPr/>
+            </a:pPr>
+            <a:endParaRPr lang="en-US" altLang="ko-KR" sz="1200" kern="1200" dirty="0" smtClean="0">
+              <a:solidFill>
+                <a:schemeClr val="tx1"/>
+              </a:solidFill>
+              <a:effectLst/>
+              <a:latin typeface="+mn-lt"/>
+              <a:ea typeface="+mn-ea"/>
+              <a:cs typeface="+mn-cs"/>
+            </a:endParaRPr>
+          </a:p>
+          <a:p>
+            <a:pPr marL="0" marR="0" indent="0" algn="l" defTabSz="914400" rtl="0" eaLnBrk="1" fontAlgn="auto" latinLnBrk="1" hangingPunct="1">
+              <a:lnSpc>
+                <a:spcPct val="100000"/>
+              </a:lnSpc>
+              <a:spcBef>
+                <a:spcPts val="0"/>
+              </a:spcBef>
+              <a:spcAft>
+                <a:spcPts val="0"/>
+              </a:spcAft>
+              <a:buClrTx/>
+              <a:buSzTx/>
+              <a:buFontTx/>
+              <a:buNone/>
+              <a:tabLst/>
+              <a:defRPr/>
+            </a:pPr>
+            <a:r>
+              <a:rPr lang="en-US" altLang="ko-KR" sz="1200" kern="1200" dirty="0" smtClean="0">
+                <a:solidFill>
+                  <a:schemeClr val="tx1"/>
+                </a:solidFill>
+                <a:effectLst/>
+                <a:latin typeface="+mn-lt"/>
+                <a:ea typeface="+mn-ea"/>
+                <a:cs typeface="+mn-cs"/>
+              </a:rPr>
+              <a:t>If the figure gets true value, go left and if it is false, go right. Misclassification rate from Classification Tree is 0.3464455. </a:t>
+            </a:r>
+            <a:endParaRPr lang="ko-KR" altLang="ko-KR" sz="1200" kern="1200" dirty="0" smtClean="0">
+              <a:solidFill>
+                <a:schemeClr val="tx1"/>
+              </a:solidFill>
+              <a:effectLst/>
+              <a:latin typeface="+mn-lt"/>
+              <a:ea typeface="+mn-ea"/>
+              <a:cs typeface="+mn-cs"/>
+            </a:endParaRPr>
+          </a:p>
+          <a:p>
             <a:endParaRPr lang="ko-KR" altLang="en-US" dirty="0"/>
           </a:p>
         </p:txBody>
@@ -1088,7 +1393,7 @@
     </p:spTree>
     <p:extLst>
       <p:ext uri="{BB962C8B-B14F-4D97-AF65-F5344CB8AC3E}">
-        <p14:creationId xmlns:p14="http://schemas.microsoft.com/office/powerpoint/2010/main" val="859834518"/>
+        <p14:creationId xmlns:p14="http://schemas.microsoft.com/office/powerpoint/2010/main" val="1914068779"/>
       </p:ext>
     </p:extLst>
   </p:cSld>
@@ -1142,164 +1447,19 @@
           <a:bodyPr/>
           <a:lstStyle/>
           <a:p>
-            <a:pPr marL="0" marR="0" indent="0" algn="l" defTabSz="914400" rtl="0" eaLnBrk="1" fontAlgn="auto" latinLnBrk="1" hangingPunct="1">
-              <a:lnSpc>
-                <a:spcPct val="100000"/>
-              </a:lnSpc>
-              <a:spcBef>
-                <a:spcPts val="0"/>
-              </a:spcBef>
-              <a:spcAft>
-                <a:spcPts val="0"/>
-              </a:spcAft>
-              <a:buClrTx/>
-              <a:buSzTx/>
-              <a:buFontTx/>
-              <a:buNone/>
-              <a:tabLst/>
-              <a:defRPr/>
-            </a:pPr>
-            <a:r>
-              <a:rPr lang="en-US" altLang="ko-KR" sz="1200" kern="1200" dirty="0" smtClean="0">
-                <a:solidFill>
-                  <a:schemeClr val="tx1"/>
-                </a:solidFill>
-                <a:effectLst/>
-                <a:latin typeface="+mn-lt"/>
-                <a:ea typeface="+mn-ea"/>
-                <a:cs typeface="+mn-cs"/>
-              </a:rPr>
-              <a:t>The result of the visualization is as right above. Interpretation the results of Classification tree analysis are very intuitive. </a:t>
-            </a:r>
-          </a:p>
-          <a:p>
-            <a:pPr marL="0" marR="0" indent="0" algn="l" defTabSz="914400" rtl="0" eaLnBrk="1" fontAlgn="auto" latinLnBrk="1" hangingPunct="1">
-              <a:lnSpc>
-                <a:spcPct val="100000"/>
-              </a:lnSpc>
-              <a:spcBef>
-                <a:spcPts val="0"/>
-              </a:spcBef>
-              <a:spcAft>
-                <a:spcPts val="0"/>
-              </a:spcAft>
-              <a:buClrTx/>
-              <a:buSzTx/>
-              <a:buFontTx/>
-              <a:buNone/>
-              <a:tabLst/>
-              <a:defRPr/>
-            </a:pPr>
-            <a:endParaRPr lang="en-US" altLang="ko-KR" sz="1200" kern="1200" dirty="0" smtClean="0">
-              <a:solidFill>
-                <a:schemeClr val="tx1"/>
-              </a:solidFill>
-              <a:effectLst/>
-              <a:latin typeface="+mn-lt"/>
-              <a:ea typeface="+mn-ea"/>
-              <a:cs typeface="+mn-cs"/>
-            </a:endParaRPr>
-          </a:p>
-          <a:p>
-            <a:pPr marL="0" marR="0" indent="0" algn="l" defTabSz="914400" rtl="0" eaLnBrk="1" fontAlgn="auto" latinLnBrk="1" hangingPunct="1">
-              <a:lnSpc>
-                <a:spcPct val="100000"/>
-              </a:lnSpc>
-              <a:spcBef>
-                <a:spcPts val="0"/>
-              </a:spcBef>
-              <a:spcAft>
-                <a:spcPts val="0"/>
-              </a:spcAft>
-              <a:buClrTx/>
-              <a:buSzTx/>
-              <a:buFontTx/>
-              <a:buNone/>
-              <a:tabLst/>
-              <a:defRPr/>
-            </a:pPr>
-            <a:r>
-              <a:rPr lang="en-US" altLang="ko-KR" sz="1200" kern="1200" dirty="0" smtClean="0">
-                <a:solidFill>
-                  <a:schemeClr val="tx1"/>
-                </a:solidFill>
-                <a:effectLst/>
-                <a:latin typeface="+mn-lt"/>
-                <a:ea typeface="+mn-ea"/>
-                <a:cs typeface="+mn-cs"/>
-              </a:rPr>
-              <a:t>With comparing the value corresponding to each independent variable, we proceed step by step. </a:t>
-            </a:r>
-          </a:p>
-          <a:p>
-            <a:pPr marL="0" marR="0" indent="0" algn="l" defTabSz="914400" rtl="0" eaLnBrk="1" fontAlgn="auto" latinLnBrk="1" hangingPunct="1">
-              <a:lnSpc>
-                <a:spcPct val="100000"/>
-              </a:lnSpc>
-              <a:spcBef>
-                <a:spcPts val="0"/>
-              </a:spcBef>
-              <a:spcAft>
-                <a:spcPts val="0"/>
-              </a:spcAft>
-              <a:buClrTx/>
-              <a:buSzTx/>
-              <a:buFontTx/>
-              <a:buNone/>
-              <a:tabLst/>
-              <a:defRPr/>
-            </a:pPr>
-            <a:endParaRPr lang="en-US" altLang="ko-KR" sz="1200" kern="1200" dirty="0" smtClean="0">
-              <a:solidFill>
-                <a:schemeClr val="tx1"/>
-              </a:solidFill>
-              <a:effectLst/>
-              <a:latin typeface="+mn-lt"/>
-              <a:ea typeface="+mn-ea"/>
-              <a:cs typeface="+mn-cs"/>
-            </a:endParaRPr>
-          </a:p>
-          <a:p>
-            <a:pPr marL="0" marR="0" indent="0" algn="l" defTabSz="914400" rtl="0" eaLnBrk="1" fontAlgn="auto" latinLnBrk="1" hangingPunct="1">
-              <a:lnSpc>
-                <a:spcPct val="100000"/>
-              </a:lnSpc>
-              <a:spcBef>
-                <a:spcPts val="0"/>
-              </a:spcBef>
-              <a:spcAft>
-                <a:spcPts val="0"/>
-              </a:spcAft>
-              <a:buClrTx/>
-              <a:buSzTx/>
-              <a:buFontTx/>
-              <a:buNone/>
-              <a:tabLst/>
-              <a:defRPr/>
-            </a:pPr>
-            <a:r>
-              <a:rPr lang="en-US" altLang="ko-KR" sz="1200" kern="1200" dirty="0" smtClean="0">
-                <a:solidFill>
-                  <a:schemeClr val="tx1"/>
-                </a:solidFill>
-                <a:effectLst/>
-                <a:latin typeface="+mn-lt"/>
-                <a:ea typeface="+mn-ea"/>
-                <a:cs typeface="+mn-cs"/>
-              </a:rPr>
-              <a:t>If the figure gets true value, go left and if it is false, go right. Misclassification rate from Classification Tree is 0.3464455. </a:t>
-            </a:r>
-            <a:endParaRPr lang="ko-KR" altLang="ko-KR" sz="1200" kern="1200" dirty="0" smtClean="0">
-              <a:solidFill>
-                <a:schemeClr val="tx1"/>
-              </a:solidFill>
-              <a:effectLst/>
-              <a:latin typeface="+mn-lt"/>
-              <a:ea typeface="+mn-ea"/>
-              <a:cs typeface="+mn-cs"/>
-            </a:endParaRPr>
-          </a:p>
-          <a:p>
+            <a:r>
+              <a:rPr lang="en-US" altLang="ko-KR" dirty="0" smtClean="0"/>
+              <a:t>The results of misclassification ratio are 41.1%, 35.1%, and 34.6%. </a:t>
+            </a:r>
+          </a:p>
+          <a:p>
+            <a:endParaRPr lang="en-US" altLang="ko-KR" dirty="0" smtClean="0"/>
+          </a:p>
+          <a:p>
+            <a:r>
+              <a:rPr lang="en-US" altLang="ko-KR" dirty="0" smtClean="0"/>
+              <a:t>Among them the lowest value of  misclassification ratio model is classification tree so that we judge it the most suitable model to predict employment. </a:t>
+            </a:r>
             <a:endParaRPr lang="ko-KR" altLang="en-US" dirty="0"/>
           </a:p>
         </p:txBody>
@@ -1331,7 +1491,7 @@
     </p:spTree>
     <p:extLst>
       <p:ext uri="{BB962C8B-B14F-4D97-AF65-F5344CB8AC3E}">
-        <p14:creationId xmlns:p14="http://schemas.microsoft.com/office/powerpoint/2010/main" val="1914068779"/>
+        <p14:creationId xmlns:p14="http://schemas.microsoft.com/office/powerpoint/2010/main" val="1709381294"/>
       </p:ext>
     </p:extLst>
   </p:cSld>
@@ -1387,7 +1547,13 @@
           <a:p>
             <a:r>
               <a:rPr lang="en-US" altLang="ko-KR" dirty="0" smtClean="0"/>
-              <a:t>The results of misclassification ratio are 41.1%, 35.1%, and 34.6%. </a:t>
+              <a:t>So I’ll interpret the results of classification tree</a:t>
+            </a:r>
+          </a:p>
+          <a:p>
+            <a:r>
+              <a:rPr lang="en-US" altLang="ko-KR" dirty="0" smtClean="0"/>
+              <a:t>English score is essential factor distinguishing whether graduates get employed. </a:t>
             </a:r>
           </a:p>
           <a:p>
@@ -1396,7 +1562,13 @@
           <a:p>
             <a:r>
               <a:rPr lang="en-US" altLang="ko-KR" dirty="0" smtClean="0"/>
-              <a:t>Among them the lowest value of  misclassification ratio model is classification tree so that we judge it the most suitable model to predict employment. </a:t>
+              <a:t>Other variables (Internship experience, age, and GPA) also can be important. </a:t>
+            </a:r>
+          </a:p>
+          <a:p>
+            <a:r>
+              <a:rPr lang="en-US" altLang="ko-KR" dirty="0" smtClean="0"/>
+              <a:t>We conclude that for most graduates having low English score and having no internship experience, getting more than some degree of GPA is crucial.</a:t>
             </a:r>
             <a:endParaRPr lang="ko-KR" altLang="en-US" dirty="0"/>
           </a:p>
@@ -1429,7 +1601,7 @@
     </p:spTree>
     <p:extLst>
       <p:ext uri="{BB962C8B-B14F-4D97-AF65-F5344CB8AC3E}">
-        <p14:creationId xmlns:p14="http://schemas.microsoft.com/office/powerpoint/2010/main" val="1709381294"/>
+        <p14:creationId xmlns:p14="http://schemas.microsoft.com/office/powerpoint/2010/main" val="1026957297"/>
       </p:ext>
     </p:extLst>
   </p:cSld>
@@ -1485,13 +1657,13 @@
           <a:p>
             <a:r>
               <a:rPr lang="en-US" altLang="ko-KR" dirty="0" smtClean="0"/>
-              <a:t>So I’ll interpret the results of classification tree</a:t>
+              <a:t>Most finally I’ll conclude all of our results above briefly. </a:t>
             </a:r>
           </a:p>
           <a:p>
             <a:r>
               <a:rPr lang="en-US" altLang="ko-KR" dirty="0" smtClean="0"/>
-              <a:t>English score is essential factor distinguishing whether graduates get employed. </a:t>
+              <a:t>The Classification Tree model is appropriate for the research and GPA scores are meaningful when we get a job</a:t>
             </a:r>
           </a:p>
           <a:p>
@@ -1500,13 +1672,37 @@
           <a:p>
             <a:r>
               <a:rPr lang="en-US" altLang="ko-KR" dirty="0" smtClean="0"/>
-              <a:t>Other variables (Internship experience, age, and GPA) also can be important. </a:t>
+              <a:t>English capacity and internship experience are important.</a:t>
             </a:r>
           </a:p>
           <a:p>
             <a:r>
               <a:rPr lang="en-US" altLang="ko-KR" dirty="0" smtClean="0"/>
-              <a:t>We conclude that for most graduates having low English score and having no internship experience, getting more than some degree of GPA is crucial.</a:t>
+              <a:t>This result demonstrates we should try hard to get ready for practical ability also.</a:t>
+            </a:r>
+          </a:p>
+          <a:p>
+            <a:endParaRPr lang="en-US" altLang="ko-KR" dirty="0" smtClean="0"/>
+          </a:p>
+          <a:p>
+            <a:r>
+              <a:rPr lang="en-US" altLang="ko-KR" dirty="0" smtClean="0"/>
+              <a:t>So we suggest, graduates including us who are looking for a job, should focus on not only getting high GPA but also improving general capability.</a:t>
+            </a:r>
+          </a:p>
+          <a:p>
+            <a:endParaRPr lang="en-US" altLang="ko-KR" dirty="0" smtClean="0"/>
+          </a:p>
+          <a:p>
+            <a:r>
+              <a:rPr lang="en-US" altLang="ko-KR" dirty="0" smtClean="0"/>
+              <a:t>These are what our team have prepared. </a:t>
+            </a:r>
+          </a:p>
+          <a:p>
+            <a:r>
+              <a:rPr lang="en-US" altLang="ko-KR" dirty="0" smtClean="0"/>
+              <a:t>Thank you for listening.</a:t>
             </a:r>
             <a:endParaRPr lang="ko-KR" altLang="en-US" dirty="0"/>
           </a:p>
@@ -1539,7 +1735,7 @@
     </p:spTree>
     <p:extLst>
       <p:ext uri="{BB962C8B-B14F-4D97-AF65-F5344CB8AC3E}">
-        <p14:creationId xmlns:p14="http://schemas.microsoft.com/office/powerpoint/2010/main" val="1026957297"/>
+        <p14:creationId xmlns:p14="http://schemas.microsoft.com/office/powerpoint/2010/main" val="2940369553"/>
       </p:ext>
     </p:extLst>
   </p:cSld>
@@ -1593,59 +1789,6 @@
           <a:bodyPr/>
           <a:lstStyle/>
           <a:p>
-            <a:r>
-              <a:rPr lang="en-US" altLang="ko-KR" dirty="0" smtClean="0"/>
-              <a:t>Most finally I’ll conclude all of our results above briefly. </a:t>
-            </a:r>
-          </a:p>
-          <a:p>
-            <a:r>
-              <a:rPr lang="en-US" altLang="ko-KR" dirty="0" smtClean="0"/>
-              <a:t>The Classification Tree model is appropriate for the research and GPA scores are meaningful when we get a job</a:t>
-            </a:r>
-          </a:p>
-          <a:p>
-            <a:endParaRPr lang="en-US" altLang="ko-KR" dirty="0" smtClean="0"/>
-          </a:p>
-          <a:p>
-            <a:r>
-              <a:rPr lang="en-US" altLang="ko-KR" dirty="0" smtClean="0"/>
-              <a:t>English capacity and internship experience are important.</a:t>
-            </a:r>
-          </a:p>
-          <a:p>
-            <a:r>
-              <a:rPr lang="en-US" altLang="ko-KR" dirty="0" smtClean="0"/>
-              <a:t>This result demonstrates we should try hard to get ready for practical ability also.</a:t>
-            </a:r>
-          </a:p>
-          <a:p>
-            <a:endParaRPr lang="en-US" altLang="ko-KR" dirty="0" smtClean="0"/>
-          </a:p>
-          <a:p>
-            <a:r>
-              <a:rPr lang="en-US" altLang="ko-KR" dirty="0" smtClean="0"/>
-              <a:t>So we suggest, graduates including us who are looking for a job, should focus on not only getting high GPA but also improving general capability.</a:t>
-            </a:r>
-          </a:p>
-          <a:p>
-            <a:endParaRPr lang="en-US" altLang="ko-KR" smtClean="0"/>
-          </a:p>
-          <a:p>
-            <a:r>
-              <a:rPr lang="en-US" altLang="ko-KR" smtClean="0"/>
-              <a:t>These </a:t>
-            </a:r>
-            <a:r>
-              <a:rPr lang="en-US" altLang="ko-KR" dirty="0" smtClean="0"/>
-              <a:t>are what our team have prepared. </a:t>
-            </a:r>
-          </a:p>
-          <a:p>
-            <a:r>
-              <a:rPr lang="en-US" altLang="ko-KR" dirty="0" smtClean="0"/>
-              <a:t>Thank you for listening.</a:t>
-            </a:r>
             <a:endParaRPr lang="ko-KR" altLang="en-US" dirty="0"/>
           </a:p>
         </p:txBody>
@@ -1677,7 +1820,7 @@
     </p:spTree>
     <p:extLst>
       <p:ext uri="{BB962C8B-B14F-4D97-AF65-F5344CB8AC3E}">
-        <p14:creationId xmlns:p14="http://schemas.microsoft.com/office/powerpoint/2010/main" val="2940369553"/>
+        <p14:creationId xmlns:p14="http://schemas.microsoft.com/office/powerpoint/2010/main" val="50340666"/>
       </p:ext>
     </p:extLst>
   </p:cSld>
@@ -1731,7 +1874,7 @@
           <a:bodyPr/>
           <a:lstStyle/>
           <a:p>
-            <a:endParaRPr lang="ko-KR" altLang="en-US" dirty="0"/>
+            <a:endParaRPr lang="ko-KR" altLang="en-US"/>
           </a:p>
         </p:txBody>
       </p:sp>
@@ -1762,7 +1905,7 @@
     </p:spTree>
     <p:extLst>
       <p:ext uri="{BB962C8B-B14F-4D97-AF65-F5344CB8AC3E}">
-        <p14:creationId xmlns:p14="http://schemas.microsoft.com/office/powerpoint/2010/main" val="50340666"/>
+        <p14:creationId xmlns:p14="http://schemas.microsoft.com/office/powerpoint/2010/main" val="1161101793"/>
       </p:ext>
     </p:extLst>
   </p:cSld>
@@ -5181,6 +5324,14 @@
   <p:clrMapOvr>
     <a:masterClrMapping/>
   </p:clrMapOvr>
+  <mc:AlternateContent xmlns:mc="http://schemas.openxmlformats.org/markup-compatibility/2006" xmlns:p14="http://schemas.microsoft.com/office/powerpoint/2010/main">
+    <mc:Choice Requires="p14">
+      <p:transition spd="slow" p14:dur="2000" advTm="21749"/>
+    </mc:Choice>
+    <mc:Fallback xmlns="">
+      <p:transition spd="slow" advTm="21749"/>
+    </mc:Fallback>
+  </mc:AlternateContent>
   <p:timing>
     <p:tnLst>
       <p:par>
@@ -6076,6 +6227,14 @@
   <p:clrMapOvr>
     <a:masterClrMapping/>
   </p:clrMapOvr>
+  <mc:AlternateContent xmlns:mc="http://schemas.openxmlformats.org/markup-compatibility/2006" xmlns:p14="http://schemas.microsoft.com/office/powerpoint/2010/main">
+    <mc:Choice Requires="p14">
+      <p:transition spd="slow" p14:dur="2000" advTm="21229"/>
+    </mc:Choice>
+    <mc:Fallback xmlns="">
+      <p:transition spd="slow" advTm="21229"/>
+    </mc:Fallback>
+  </mc:AlternateContent>
   <p:timing>
     <p:tnLst>
       <p:par>
@@ -6405,6 +6564,14 @@
   <p:clrMapOvr>
     <a:masterClrMapping/>
   </p:clrMapOvr>
+  <mc:AlternateContent xmlns:mc="http://schemas.openxmlformats.org/markup-compatibility/2006" xmlns:p14="http://schemas.microsoft.com/office/powerpoint/2010/main">
+    <mc:Choice Requires="p14">
+      <p:transition spd="slow" p14:dur="2000" advTm="46523"/>
+    </mc:Choice>
+    <mc:Fallback xmlns="">
+      <p:transition spd="slow" advTm="46523"/>
+    </mc:Fallback>
+  </mc:AlternateContent>
   <p:timing>
     <p:tnLst>
       <p:par>
@@ -6416,425 +6583,6 @@
 </file>
 
 <file path=ppt/slides/slide12.xml><?xml version="1.0" encoding="utf-8"?>
-<p:sld xmlns:a="http://schemas.openxmlformats.org/drawingml/2006/main" xmlns:r="http://schemas.openxmlformats.org/officeDocument/2006/relationships" xmlns:p="http://schemas.openxmlformats.org/presentationml/2006/main">
-  <p:cSld>
-    <p:spTree>
-      <p:nvGrpSpPr>
-        <p:cNvPr id="1" name=""/>
-        <p:cNvGrpSpPr/>
-        <p:nvPr/>
-      </p:nvGrpSpPr>
-      <p:grpSpPr>
-        <a:xfrm>
-          <a:off x="0" y="0"/>
-          <a:ext cx="0" cy="0"/>
-          <a:chOff x="0" y="0"/>
-          <a:chExt cx="0" cy="0"/>
-        </a:xfrm>
-      </p:grpSpPr>
-      <p:sp>
-        <p:nvSpPr>
-          <p:cNvPr id="5" name="TextBox 4"/>
-          <p:cNvSpPr txBox="1"/>
-          <p:nvPr/>
-        </p:nvSpPr>
-        <p:spPr>
-          <a:xfrm>
-            <a:off x="690876" y="620688"/>
-            <a:ext cx="5105260" cy="830997"/>
-          </a:xfrm>
-          <a:prstGeom prst="rect">
-            <a:avLst/>
-          </a:prstGeom>
-          <a:noFill/>
-        </p:spPr>
-        <p:txBody>
-          <a:bodyPr wrap="square">
-            <a:spAutoFit/>
-          </a:bodyPr>
-          <a:lstStyle/>
-          <a:p>
-            <a:pPr>
-              <a:defRPr/>
-            </a:pPr>
-            <a:r>
-              <a:rPr lang="en-US" altLang="ko-KR" sz="4800" b="1" dirty="0" smtClean="0">
-                <a:solidFill>
-                  <a:schemeClr val="bg1"/>
-                </a:solidFill>
-                <a:ea typeface="맑은 고딕" panose="020B0503020000020004" pitchFamily="50" charset="-127"/>
-              </a:rPr>
-              <a:t>Ⅲ </a:t>
-            </a:r>
-            <a:r>
-              <a:rPr lang="en-US" altLang="ko-KR" sz="4800" b="1" dirty="0" smtClean="0">
-                <a:solidFill>
-                  <a:schemeClr val="bg1"/>
-                </a:solidFill>
-              </a:rPr>
-              <a:t>Methods</a:t>
-            </a:r>
-          </a:p>
-        </p:txBody>
-      </p:sp>
-      <p:pic>
-        <p:nvPicPr>
-          <p:cNvPr id="12" name="그림 11" descr="분필제목라인.png"/>
-          <p:cNvPicPr>
-            <a:picLocks noChangeAspect="1"/>
-          </p:cNvPicPr>
-          <p:nvPr/>
-        </p:nvPicPr>
-        <p:blipFill>
-          <a:blip r:embed="rId3" cstate="print"/>
-          <a:stretch>
-            <a:fillRect/>
-          </a:stretch>
-        </p:blipFill>
-        <p:spPr>
-          <a:xfrm>
-            <a:off x="539552" y="1417425"/>
-            <a:ext cx="8067675" cy="180975"/>
-          </a:xfrm>
-          <a:prstGeom prst="rect">
-            <a:avLst/>
-          </a:prstGeom>
-        </p:spPr>
-      </p:pic>
-      <p:sp>
-        <p:nvSpPr>
-          <p:cNvPr id="2" name="직사각형 1"/>
-          <p:cNvSpPr/>
-          <p:nvPr/>
-        </p:nvSpPr>
-        <p:spPr>
-          <a:xfrm>
-            <a:off x="107504" y="1700808"/>
-            <a:ext cx="8678353" cy="8925520"/>
-          </a:xfrm>
-          <a:prstGeom prst="rect">
-            <a:avLst/>
-          </a:prstGeom>
-        </p:spPr>
-        <p:txBody>
-          <a:bodyPr wrap="square">
-            <a:spAutoFit/>
-          </a:bodyPr>
-          <a:lstStyle/>
-          <a:p>
-            <a:pPr algn="ctr"/>
-            <a:r>
-              <a:rPr lang="en-US" altLang="ko-KR" sz="4800" b="1" dirty="0" smtClean="0">
-                <a:solidFill>
-                  <a:schemeClr val="bg1"/>
-                </a:solidFill>
-              </a:rPr>
-              <a:t>ⅲ) Classification Tree Analysis</a:t>
-            </a:r>
-          </a:p>
-          <a:p>
-            <a:pPr algn="ctr"/>
-            <a:endParaRPr lang="en-US" altLang="ko-KR" sz="4000" b="1" dirty="0" smtClean="0">
-              <a:solidFill>
-                <a:schemeClr val="bg1"/>
-              </a:solidFill>
-            </a:endParaRPr>
-          </a:p>
-          <a:p>
-            <a:pPr algn="ctr">
-              <a:lnSpc>
-                <a:spcPct val="150000"/>
-              </a:lnSpc>
-            </a:pPr>
-            <a:r>
-              <a:rPr lang="en-US" altLang="ko-KR" sz="4400" dirty="0" smtClean="0">
-                <a:solidFill>
-                  <a:srgbClr val="FFFF66"/>
-                </a:solidFill>
-              </a:rPr>
-              <a:t>Leaves </a:t>
-            </a:r>
-            <a:r>
-              <a:rPr lang="en-US" altLang="ko-KR" sz="3200" dirty="0" smtClean="0">
-                <a:solidFill>
-                  <a:schemeClr val="bg1"/>
-                </a:solidFill>
-              </a:rPr>
-              <a:t>       class </a:t>
-            </a:r>
-            <a:r>
-              <a:rPr lang="en-US" altLang="ko-KR" sz="3200" dirty="0">
-                <a:solidFill>
-                  <a:schemeClr val="bg1"/>
-                </a:solidFill>
-              </a:rPr>
-              <a:t>labels </a:t>
-            </a:r>
-            <a:endParaRPr lang="en-US" altLang="ko-KR" sz="3200" dirty="0" smtClean="0">
-              <a:solidFill>
-                <a:schemeClr val="bg1"/>
-              </a:solidFill>
-            </a:endParaRPr>
-          </a:p>
-          <a:p>
-            <a:pPr algn="ctr"/>
-            <a:r>
-              <a:rPr lang="en-US" altLang="ko-KR" sz="3200" dirty="0" smtClean="0">
-                <a:solidFill>
-                  <a:schemeClr val="bg1"/>
-                </a:solidFill>
-              </a:rPr>
-              <a:t> </a:t>
-            </a:r>
-            <a:r>
-              <a:rPr lang="en-US" altLang="ko-KR" sz="4400" dirty="0" smtClean="0">
-                <a:solidFill>
-                  <a:srgbClr val="FFFF66"/>
-                </a:solidFill>
-              </a:rPr>
-              <a:t>Branches</a:t>
-            </a:r>
-            <a:r>
-              <a:rPr lang="en-US" altLang="ko-KR" sz="4400" dirty="0" smtClean="0">
-                <a:solidFill>
-                  <a:schemeClr val="bg1"/>
-                </a:solidFill>
-              </a:rPr>
-              <a:t> </a:t>
-            </a:r>
-          </a:p>
-          <a:p>
-            <a:pPr algn="ctr"/>
-            <a:r>
-              <a:rPr lang="en-US" altLang="ko-KR" sz="3200" dirty="0" smtClean="0">
-                <a:solidFill>
-                  <a:schemeClr val="bg1"/>
-                </a:solidFill>
-              </a:rPr>
-              <a:t>    conjunctions </a:t>
-            </a:r>
-            <a:r>
-              <a:rPr lang="en-US" altLang="ko-KR" sz="3200" dirty="0">
-                <a:solidFill>
-                  <a:schemeClr val="bg1"/>
-                </a:solidFill>
-              </a:rPr>
-              <a:t>of </a:t>
-            </a:r>
-            <a:r>
-              <a:rPr lang="en-US" altLang="ko-KR" sz="3200" dirty="0" smtClean="0">
-                <a:solidFill>
-                  <a:schemeClr val="bg1"/>
-                </a:solidFill>
-              </a:rPr>
-              <a:t>features that lead to those class labels.</a:t>
-            </a:r>
-          </a:p>
-          <a:p>
-            <a:pPr algn="ctr"/>
-            <a:r>
-              <a:rPr lang="en-US" altLang="ko-KR" sz="4400" dirty="0" smtClean="0">
-                <a:solidFill>
-                  <a:srgbClr val="FFFF66"/>
-                </a:solidFill>
-              </a:rPr>
-              <a:t>Process </a:t>
-            </a:r>
-          </a:p>
-          <a:p>
-            <a:pPr algn="ctr"/>
-            <a:r>
-              <a:rPr lang="en-US" altLang="ko-KR" sz="2800" dirty="0" smtClean="0">
-                <a:solidFill>
-                  <a:schemeClr val="bg1"/>
-                </a:solidFill>
-              </a:rPr>
-              <a:t>    If </a:t>
-            </a:r>
-            <a:r>
-              <a:rPr lang="en-US" altLang="ko-KR" sz="2800" dirty="0">
-                <a:solidFill>
-                  <a:schemeClr val="bg1"/>
-                </a:solidFill>
-              </a:rPr>
-              <a:t>the figure gets true value, go left and if it is false, go right.</a:t>
-            </a:r>
-            <a:endParaRPr lang="en-US" altLang="ko-KR" sz="2800" b="1" dirty="0" smtClean="0">
-              <a:solidFill>
-                <a:schemeClr val="bg1"/>
-              </a:solidFill>
-            </a:endParaRPr>
-          </a:p>
-          <a:p>
-            <a:endParaRPr lang="en-US" altLang="ko-KR" sz="2800" b="1" dirty="0" smtClean="0">
-              <a:solidFill>
-                <a:schemeClr val="bg1"/>
-              </a:solidFill>
-            </a:endParaRPr>
-          </a:p>
-          <a:p>
-            <a:pPr marL="742950" indent="-742950"/>
-            <a:endParaRPr lang="en-US" altLang="ko-KR" sz="4400" dirty="0" smtClean="0">
-              <a:solidFill>
-                <a:schemeClr val="bg1"/>
-              </a:solidFill>
-            </a:endParaRPr>
-          </a:p>
-          <a:p>
-            <a:pPr marL="742950" indent="-742950"/>
-            <a:endParaRPr lang="en-US" altLang="ko-KR" sz="4400" dirty="0" smtClean="0">
-              <a:solidFill>
-                <a:schemeClr val="bg1"/>
-              </a:solidFill>
-            </a:endParaRPr>
-          </a:p>
-          <a:p>
-            <a:pPr marL="742950" indent="-742950"/>
-            <a:endParaRPr lang="en-US" altLang="ko-KR" sz="4400" dirty="0" smtClean="0">
-              <a:solidFill>
-                <a:schemeClr val="bg1"/>
-              </a:solidFill>
-            </a:endParaRPr>
-          </a:p>
-          <a:p>
-            <a:pPr marL="742950" indent="-742950"/>
-            <a:endParaRPr lang="en-US" altLang="ko-KR" sz="4400" dirty="0" smtClean="0">
-              <a:solidFill>
-                <a:schemeClr val="bg1"/>
-              </a:solidFill>
-            </a:endParaRPr>
-          </a:p>
-          <a:p>
-            <a:pPr marL="742950" indent="-742950"/>
-            <a:endParaRPr lang="en-US" altLang="ko-KR" sz="2400" b="1" dirty="0" smtClean="0">
-              <a:solidFill>
-                <a:schemeClr val="bg1"/>
-              </a:solidFill>
-              <a:latin typeface="+mj-lt"/>
-            </a:endParaRPr>
-          </a:p>
-          <a:p>
-            <a:pPr marL="742950" indent="-742950"/>
-            <a:endParaRPr lang="ko-KR" altLang="ko-KR" sz="4400" dirty="0" smtClean="0">
-              <a:solidFill>
-                <a:schemeClr val="bg1"/>
-              </a:solidFill>
-            </a:endParaRPr>
-          </a:p>
-        </p:txBody>
-      </p:sp>
-      <p:pic>
-        <p:nvPicPr>
-          <p:cNvPr id="7" name="그림 6" descr="icon_연필.png"/>
-          <p:cNvPicPr>
-            <a:picLocks noChangeAspect="1"/>
-          </p:cNvPicPr>
-          <p:nvPr/>
-        </p:nvPicPr>
-        <p:blipFill>
-          <a:blip r:embed="rId4" cstate="print"/>
-          <a:stretch>
-            <a:fillRect/>
-          </a:stretch>
-        </p:blipFill>
-        <p:spPr>
-          <a:xfrm>
-            <a:off x="539552" y="1880787"/>
-            <a:ext cx="619125" cy="514350"/>
-          </a:xfrm>
-          <a:prstGeom prst="rect">
-            <a:avLst/>
-          </a:prstGeom>
-        </p:spPr>
-      </p:pic>
-      <p:pic>
-        <p:nvPicPr>
-          <p:cNvPr id="6" name="그림 5" descr="icon_화살표우.png"/>
-          <p:cNvPicPr>
-            <a:picLocks noChangeAspect="1"/>
-          </p:cNvPicPr>
-          <p:nvPr/>
-        </p:nvPicPr>
-        <p:blipFill>
-          <a:blip r:embed="rId5" cstate="print"/>
-          <a:stretch>
-            <a:fillRect/>
-          </a:stretch>
-        </p:blipFill>
-        <p:spPr>
-          <a:xfrm>
-            <a:off x="4137117" y="3429000"/>
-            <a:ext cx="619125" cy="533400"/>
-          </a:xfrm>
-          <a:prstGeom prst="rect">
-            <a:avLst/>
-          </a:prstGeom>
-        </p:spPr>
-      </p:pic>
-      <p:pic>
-        <p:nvPicPr>
-          <p:cNvPr id="8" name="그림 7" descr="icon_화살표우.png"/>
-          <p:cNvPicPr>
-            <a:picLocks noChangeAspect="1"/>
-          </p:cNvPicPr>
-          <p:nvPr/>
-        </p:nvPicPr>
-        <p:blipFill>
-          <a:blip r:embed="rId5" cstate="print"/>
-          <a:stretch>
-            <a:fillRect/>
-          </a:stretch>
-        </p:blipFill>
-        <p:spPr>
-          <a:xfrm>
-            <a:off x="35496" y="4725144"/>
-            <a:ext cx="619125" cy="533400"/>
-          </a:xfrm>
-          <a:prstGeom prst="rect">
-            <a:avLst/>
-          </a:prstGeom>
-        </p:spPr>
-      </p:pic>
-      <p:pic>
-        <p:nvPicPr>
-          <p:cNvPr id="9" name="그림 8" descr="icon_화살표우.png"/>
-          <p:cNvPicPr>
-            <a:picLocks noChangeAspect="1"/>
-          </p:cNvPicPr>
-          <p:nvPr/>
-        </p:nvPicPr>
-        <p:blipFill>
-          <a:blip r:embed="rId5" cstate="print"/>
-          <a:stretch>
-            <a:fillRect/>
-          </a:stretch>
-        </p:blipFill>
-        <p:spPr>
-          <a:xfrm>
-            <a:off x="2158" y="5896868"/>
-            <a:ext cx="619125" cy="533400"/>
-          </a:xfrm>
-          <a:prstGeom prst="rect">
-            <a:avLst/>
-          </a:prstGeom>
-        </p:spPr>
-      </p:pic>
-    </p:spTree>
-  </p:cSld>
-  <p:clrMapOvr>
-    <a:masterClrMapping/>
-  </p:clrMapOvr>
-  <p:timing>
-    <p:tnLst>
-      <p:par>
-        <p:cTn id="1" dur="indefinite" restart="never" nodeType="tmRoot"/>
-      </p:par>
-    </p:tnLst>
-  </p:timing>
-</p:sld>
-</file>
-
-<file path=ppt/slides/slide13.xml><?xml version="1.0" encoding="utf-8"?>
 <p:sld xmlns:a="http://schemas.openxmlformats.org/drawingml/2006/main" xmlns:r="http://schemas.openxmlformats.org/officeDocument/2006/relationships" xmlns:p="http://schemas.openxmlformats.org/presentationml/2006/main">
   <p:cSld>
     <p:spTree>
@@ -7184,6 +6932,275 @@
   <p:clrMapOvr>
     <a:masterClrMapping/>
   </p:clrMapOvr>
+  <mc:AlternateContent xmlns:mc="http://schemas.openxmlformats.org/markup-compatibility/2006" xmlns:p14="http://schemas.microsoft.com/office/powerpoint/2010/main">
+    <mc:Choice Requires="p14">
+      <p:transition spd="slow" p14:dur="2000" advTm="33046"/>
+    </mc:Choice>
+    <mc:Fallback xmlns="">
+      <p:transition spd="slow" advTm="33046"/>
+    </mc:Fallback>
+  </mc:AlternateContent>
+  <p:timing>
+    <p:tnLst>
+      <p:par>
+        <p:cTn id="1" dur="indefinite" restart="never" nodeType="tmRoot"/>
+      </p:par>
+    </p:tnLst>
+  </p:timing>
+</p:sld>
+</file>
+
+<file path=ppt/slides/slide13.xml><?xml version="1.0" encoding="utf-8"?>
+<p:sld xmlns:a="http://schemas.openxmlformats.org/drawingml/2006/main" xmlns:r="http://schemas.openxmlformats.org/officeDocument/2006/relationships" xmlns:p="http://schemas.openxmlformats.org/presentationml/2006/main">
+  <p:cSld>
+    <p:spTree>
+      <p:nvGrpSpPr>
+        <p:cNvPr id="1" name=""/>
+        <p:cNvGrpSpPr/>
+        <p:nvPr/>
+      </p:nvGrpSpPr>
+      <p:grpSpPr>
+        <a:xfrm>
+          <a:off x="0" y="0"/>
+          <a:ext cx="0" cy="0"/>
+          <a:chOff x="0" y="0"/>
+          <a:chExt cx="0" cy="0"/>
+        </a:xfrm>
+      </p:grpSpPr>
+      <p:sp>
+        <p:nvSpPr>
+          <p:cNvPr id="7" name="TextBox 6"/>
+          <p:cNvSpPr txBox="1"/>
+          <p:nvPr/>
+        </p:nvSpPr>
+        <p:spPr>
+          <a:xfrm>
+            <a:off x="318265" y="2132856"/>
+            <a:ext cx="8280920" cy="1446550"/>
+          </a:xfrm>
+          <a:prstGeom prst="rect">
+            <a:avLst/>
+          </a:prstGeom>
+          <a:noFill/>
+        </p:spPr>
+        <p:txBody>
+          <a:bodyPr wrap="square">
+            <a:spAutoFit/>
+          </a:bodyPr>
+          <a:lstStyle/>
+          <a:p>
+            <a:pPr algn="ctr"/>
+            <a:r>
+              <a:rPr lang="en-US" altLang="ko-KR" sz="4400" dirty="0" smtClean="0">
+                <a:solidFill>
+                  <a:schemeClr val="bg1"/>
+                </a:solidFill>
+              </a:rPr>
+              <a:t>misclassification ratio </a:t>
+            </a:r>
+            <a:endParaRPr lang="en-US" altLang="ko-KR" sz="4400" dirty="0">
+              <a:solidFill>
+                <a:schemeClr val="bg1"/>
+              </a:solidFill>
+            </a:endParaRPr>
+          </a:p>
+          <a:p>
+            <a:pPr algn="ctr"/>
+            <a:r>
+              <a:rPr lang="en-US" altLang="ko-KR" sz="4400" dirty="0" smtClean="0">
+                <a:solidFill>
+                  <a:schemeClr val="bg1"/>
+                </a:solidFill>
+              </a:rPr>
+              <a:t>41.1%, 35.1%, 34.6%</a:t>
+            </a:r>
+            <a:endParaRPr lang="ko-KR" altLang="ko-KR" sz="4400" dirty="0">
+              <a:solidFill>
+                <a:schemeClr val="bg1"/>
+              </a:solidFill>
+            </a:endParaRPr>
+          </a:p>
+        </p:txBody>
+      </p:sp>
+      <p:sp>
+        <p:nvSpPr>
+          <p:cNvPr id="10" name="TextBox 9"/>
+          <p:cNvSpPr txBox="1"/>
+          <p:nvPr/>
+        </p:nvSpPr>
+        <p:spPr>
+          <a:xfrm>
+            <a:off x="690876" y="620688"/>
+            <a:ext cx="5105260" cy="830997"/>
+          </a:xfrm>
+          <a:prstGeom prst="rect">
+            <a:avLst/>
+          </a:prstGeom>
+          <a:noFill/>
+        </p:spPr>
+        <p:txBody>
+          <a:bodyPr wrap="square">
+            <a:spAutoFit/>
+          </a:bodyPr>
+          <a:lstStyle/>
+          <a:p>
+            <a:pPr>
+              <a:defRPr/>
+            </a:pPr>
+            <a:r>
+              <a:rPr lang="en-US" altLang="ko-KR" sz="4800" b="1" dirty="0" smtClean="0">
+                <a:solidFill>
+                  <a:schemeClr val="bg1"/>
+                </a:solidFill>
+                <a:ea typeface="맑은 고딕" panose="020B0503020000020004" pitchFamily="50" charset="-127"/>
+              </a:rPr>
+              <a:t>Ⅳ </a:t>
+            </a:r>
+            <a:r>
+              <a:rPr lang="en-US" altLang="ko-KR" sz="4800" b="1" dirty="0" smtClean="0">
+                <a:solidFill>
+                  <a:schemeClr val="bg1"/>
+                </a:solidFill>
+                <a:ea typeface="나눔손글씨 펜" pitchFamily="66" charset="-127"/>
+              </a:rPr>
+              <a:t>Discussion </a:t>
+            </a:r>
+            <a:endParaRPr lang="en-US" altLang="ko-KR" sz="4800" b="1" dirty="0">
+              <a:solidFill>
+                <a:schemeClr val="bg1"/>
+              </a:solidFill>
+              <a:ea typeface="나눔손글씨 펜" pitchFamily="66" charset="-127"/>
+            </a:endParaRPr>
+          </a:p>
+        </p:txBody>
+      </p:sp>
+      <p:pic>
+        <p:nvPicPr>
+          <p:cNvPr id="11" name="그림 10" descr="분필제목라인.png"/>
+          <p:cNvPicPr>
+            <a:picLocks noChangeAspect="1"/>
+          </p:cNvPicPr>
+          <p:nvPr/>
+        </p:nvPicPr>
+        <p:blipFill>
+          <a:blip r:embed="rId3" cstate="print"/>
+          <a:stretch>
+            <a:fillRect/>
+          </a:stretch>
+        </p:blipFill>
+        <p:spPr>
+          <a:xfrm>
+            <a:off x="539552" y="1417425"/>
+            <a:ext cx="8067675" cy="180975"/>
+          </a:xfrm>
+          <a:prstGeom prst="rect">
+            <a:avLst/>
+          </a:prstGeom>
+        </p:spPr>
+      </p:pic>
+      <p:sp>
+        <p:nvSpPr>
+          <p:cNvPr id="6" name="TextBox 5"/>
+          <p:cNvSpPr txBox="1"/>
+          <p:nvPr/>
+        </p:nvSpPr>
+        <p:spPr>
+          <a:xfrm>
+            <a:off x="323528" y="4221088"/>
+            <a:ext cx="8280920" cy="2000548"/>
+          </a:xfrm>
+          <a:prstGeom prst="rect">
+            <a:avLst/>
+          </a:prstGeom>
+          <a:noFill/>
+        </p:spPr>
+        <p:txBody>
+          <a:bodyPr wrap="square">
+            <a:spAutoFit/>
+          </a:bodyPr>
+          <a:lstStyle/>
+          <a:p>
+            <a:pPr algn="ctr"/>
+            <a:r>
+              <a:rPr lang="en-US" altLang="ko-KR" sz="4000" dirty="0" smtClean="0">
+                <a:solidFill>
+                  <a:schemeClr val="bg1"/>
+                </a:solidFill>
+              </a:rPr>
+              <a:t>the </a:t>
+            </a:r>
+            <a:r>
+              <a:rPr lang="en-US" altLang="ko-KR" sz="4000" dirty="0" smtClean="0">
+                <a:solidFill>
+                  <a:srgbClr val="FFFF66"/>
+                </a:solidFill>
+              </a:rPr>
+              <a:t>most suitable </a:t>
+            </a:r>
+            <a:r>
+              <a:rPr lang="en-US" altLang="ko-KR" sz="4000" dirty="0" smtClean="0">
+                <a:solidFill>
+                  <a:schemeClr val="bg1"/>
+                </a:solidFill>
+              </a:rPr>
+              <a:t>model </a:t>
+            </a:r>
+          </a:p>
+          <a:p>
+            <a:pPr algn="ctr"/>
+            <a:r>
+              <a:rPr lang="en-US" altLang="ko-KR" sz="3600" dirty="0" smtClean="0">
+                <a:solidFill>
+                  <a:schemeClr val="bg1"/>
+                </a:solidFill>
+              </a:rPr>
+              <a:t>to predict employment  </a:t>
+            </a:r>
+          </a:p>
+          <a:p>
+            <a:pPr algn="ctr"/>
+            <a:r>
+              <a:rPr lang="en-US" altLang="ko-KR" sz="4400" dirty="0" smtClean="0">
+                <a:solidFill>
+                  <a:schemeClr val="bg1"/>
+                </a:solidFill>
+              </a:rPr>
+              <a:t>= </a:t>
+            </a:r>
+            <a:r>
+              <a:rPr lang="en-US" altLang="ko-KR" sz="4800" dirty="0" smtClean="0">
+                <a:solidFill>
+                  <a:srgbClr val="FFFF66"/>
+                </a:solidFill>
+              </a:rPr>
+              <a:t>Classification Tree</a:t>
+            </a:r>
+            <a:endParaRPr lang="ko-KR" altLang="ko-KR" sz="4800" dirty="0">
+              <a:solidFill>
+                <a:srgbClr val="FFFF66"/>
+              </a:solidFill>
+            </a:endParaRPr>
+          </a:p>
+        </p:txBody>
+      </p:sp>
+    </p:spTree>
+    <p:extLst>
+      <p:ext uri="{BB962C8B-B14F-4D97-AF65-F5344CB8AC3E}">
+        <p14:creationId xmlns:p14="http://schemas.microsoft.com/office/powerpoint/2010/main" val="4440996"/>
+      </p:ext>
+    </p:extLst>
+  </p:cSld>
+  <p:clrMapOvr>
+    <a:masterClrMapping/>
+  </p:clrMapOvr>
+  <mc:AlternateContent xmlns:mc="http://schemas.openxmlformats.org/markup-compatibility/2006" xmlns:p14="http://schemas.microsoft.com/office/powerpoint/2010/main">
+    <mc:Choice Requires="p14">
+      <p:transition spd="slow" p14:dur="2000" advTm="49531"/>
+    </mc:Choice>
+    <mc:Fallback xmlns="">
+      <p:transition spd="slow" advTm="49531"/>
+    </mc:Fallback>
+  </mc:AlternateContent>
   <p:timing>
     <p:tnLst>
       <p:par>
@@ -7219,8 +7236,8 @@
         </p:nvSpPr>
         <p:spPr>
           <a:xfrm>
-            <a:off x="318265" y="2132856"/>
-            <a:ext cx="8280920" cy="1446550"/>
+            <a:off x="4139952" y="2330738"/>
+            <a:ext cx="4608512" cy="2739211"/>
           </a:xfrm>
           <a:prstGeom prst="rect">
             <a:avLst/>
@@ -7233,16 +7250,7 @@
           </a:bodyPr>
           <a:lstStyle/>
           <a:p>
-            <a:pPr algn="ctr"/>
-            <a:r>
-              <a:rPr lang="en-US" altLang="ko-KR" sz="4400" dirty="0" smtClean="0">
-                <a:solidFill>
-                  <a:schemeClr val="bg1"/>
-                </a:solidFill>
-              </a:rPr>
-              <a:t>misclassification ratio </a:t>
-            </a:r>
-            <a:endParaRPr lang="en-US" altLang="ko-KR" sz="4400" dirty="0">
+            <a:endParaRPr lang="en-US" altLang="ko-KR" sz="2800" dirty="0" smtClean="0">
               <a:solidFill>
                 <a:schemeClr val="bg1"/>
               </a:solidFill>
@@ -7251,14 +7259,33 @@
           <a:p>
             <a:pPr algn="ctr"/>
             <a:r>
-              <a:rPr lang="en-US" altLang="ko-KR" sz="4400" dirty="0" smtClean="0">
-                <a:solidFill>
-                  <a:schemeClr val="bg1"/>
-                </a:solidFill>
-              </a:rPr>
-              <a:t>41.1%, 35.1%, 34.6%</a:t>
-            </a:r>
-            <a:endParaRPr lang="ko-KR" altLang="ko-KR" sz="4400" dirty="0">
+              <a:rPr lang="en-US" altLang="ko-KR" sz="3600" dirty="0" smtClean="0">
+                <a:solidFill>
+                  <a:srgbClr val="FFFF66"/>
+                </a:solidFill>
+              </a:rPr>
+              <a:t>English score </a:t>
+            </a:r>
+            <a:r>
+              <a:rPr lang="en-US" altLang="ko-KR" sz="3600" dirty="0" smtClean="0">
+                <a:solidFill>
+                  <a:schemeClr val="bg1"/>
+                </a:solidFill>
+              </a:rPr>
+              <a:t>is essential factor </a:t>
+            </a:r>
+          </a:p>
+          <a:p>
+            <a:pPr algn="ctr"/>
+            <a:r>
+              <a:rPr lang="en-US" altLang="ko-KR" sz="3600" dirty="0" smtClean="0">
+                <a:solidFill>
+                  <a:schemeClr val="bg1"/>
+                </a:solidFill>
+              </a:rPr>
+              <a:t>Other variables also can be important</a:t>
+            </a:r>
+            <a:endParaRPr lang="ko-KR" altLang="ko-KR" sz="3600" dirty="0">
               <a:solidFill>
                 <a:schemeClr val="bg1"/>
               </a:solidFill>
@@ -7350,271 +7377,8 @@
         </p:nvSpPr>
         <p:spPr>
           <a:xfrm>
-            <a:off x="323528" y="4221088"/>
-            <a:ext cx="8280920" cy="2000548"/>
-          </a:xfrm>
-          <a:prstGeom prst="rect">
-            <a:avLst/>
-          </a:prstGeom>
-          <a:noFill/>
-        </p:spPr>
-        <p:txBody>
-          <a:bodyPr wrap="square">
-            <a:spAutoFit/>
-          </a:bodyPr>
-          <a:lstStyle/>
-          <a:p>
-            <a:pPr algn="ctr"/>
-            <a:r>
-              <a:rPr lang="en-US" altLang="ko-KR" sz="4000" dirty="0" smtClean="0">
-                <a:solidFill>
-                  <a:schemeClr val="bg1"/>
-                </a:solidFill>
-              </a:rPr>
-              <a:t>the </a:t>
-            </a:r>
-            <a:r>
-              <a:rPr lang="en-US" altLang="ko-KR" sz="4000" dirty="0" smtClean="0">
-                <a:solidFill>
-                  <a:srgbClr val="FFFF66"/>
-                </a:solidFill>
-              </a:rPr>
-              <a:t>most suitable </a:t>
-            </a:r>
-            <a:r>
-              <a:rPr lang="en-US" altLang="ko-KR" sz="4000" dirty="0" smtClean="0">
-                <a:solidFill>
-                  <a:schemeClr val="bg1"/>
-                </a:solidFill>
-              </a:rPr>
-              <a:t>model </a:t>
-            </a:r>
-          </a:p>
-          <a:p>
-            <a:pPr algn="ctr"/>
-            <a:r>
-              <a:rPr lang="en-US" altLang="ko-KR" sz="3600" dirty="0" smtClean="0">
-                <a:solidFill>
-                  <a:schemeClr val="bg1"/>
-                </a:solidFill>
-              </a:rPr>
-              <a:t>to predict employment  </a:t>
-            </a:r>
-          </a:p>
-          <a:p>
-            <a:pPr algn="ctr"/>
-            <a:r>
-              <a:rPr lang="en-US" altLang="ko-KR" sz="4400" dirty="0" smtClean="0">
-                <a:solidFill>
-                  <a:schemeClr val="bg1"/>
-                </a:solidFill>
-              </a:rPr>
-              <a:t>= </a:t>
-            </a:r>
-            <a:r>
-              <a:rPr lang="en-US" altLang="ko-KR" sz="4800" dirty="0" smtClean="0">
-                <a:solidFill>
-                  <a:srgbClr val="FFFF66"/>
-                </a:solidFill>
-              </a:rPr>
-              <a:t>Classification Tree</a:t>
-            </a:r>
-            <a:endParaRPr lang="ko-KR" altLang="ko-KR" sz="4800" dirty="0">
-              <a:solidFill>
-                <a:srgbClr val="FFFF66"/>
-              </a:solidFill>
-            </a:endParaRPr>
-          </a:p>
-        </p:txBody>
-      </p:sp>
-    </p:spTree>
-    <p:extLst>
-      <p:ext uri="{BB962C8B-B14F-4D97-AF65-F5344CB8AC3E}">
-        <p14:creationId xmlns:p14="http://schemas.microsoft.com/office/powerpoint/2010/main" val="4440996"/>
-      </p:ext>
-    </p:extLst>
-  </p:cSld>
-  <p:clrMapOvr>
-    <a:masterClrMapping/>
-  </p:clrMapOvr>
-  <p:timing>
-    <p:tnLst>
-      <p:par>
-        <p:cTn id="1" dur="indefinite" restart="never" nodeType="tmRoot"/>
-      </p:par>
-    </p:tnLst>
-  </p:timing>
-</p:sld>
-</file>
-
-<file path=ppt/slides/slide15.xml><?xml version="1.0" encoding="utf-8"?>
-<p:sld xmlns:a="http://schemas.openxmlformats.org/drawingml/2006/main" xmlns:r="http://schemas.openxmlformats.org/officeDocument/2006/relationships" xmlns:p="http://schemas.openxmlformats.org/presentationml/2006/main">
-  <p:cSld>
-    <p:spTree>
-      <p:nvGrpSpPr>
-        <p:cNvPr id="1" name=""/>
-        <p:cNvGrpSpPr/>
-        <p:nvPr/>
-      </p:nvGrpSpPr>
-      <p:grpSpPr>
-        <a:xfrm>
-          <a:off x="0" y="0"/>
-          <a:ext cx="0" cy="0"/>
-          <a:chOff x="0" y="0"/>
-          <a:chExt cx="0" cy="0"/>
-        </a:xfrm>
-      </p:grpSpPr>
-      <p:sp>
-        <p:nvSpPr>
-          <p:cNvPr id="7" name="TextBox 6"/>
-          <p:cNvSpPr txBox="1"/>
-          <p:nvPr/>
-        </p:nvSpPr>
-        <p:spPr>
-          <a:xfrm>
-            <a:off x="467544" y="3131298"/>
-            <a:ext cx="8280920" cy="1631216"/>
-          </a:xfrm>
-          <a:prstGeom prst="rect">
-            <a:avLst/>
-          </a:prstGeom>
-          <a:noFill/>
-        </p:spPr>
-        <p:txBody>
-          <a:bodyPr wrap="square">
-            <a:spAutoFit/>
-          </a:bodyPr>
-          <a:lstStyle/>
-          <a:p>
-            <a:endParaRPr lang="en-US" altLang="ko-KR" sz="2800" dirty="0" smtClean="0">
-              <a:solidFill>
-                <a:schemeClr val="bg1"/>
-              </a:solidFill>
-            </a:endParaRPr>
-          </a:p>
-          <a:p>
-            <a:pPr algn="ctr"/>
-            <a:r>
-              <a:rPr lang="en-US" altLang="ko-KR" sz="3600" dirty="0" smtClean="0">
-                <a:solidFill>
-                  <a:srgbClr val="FFFF66"/>
-                </a:solidFill>
-              </a:rPr>
-              <a:t>English score </a:t>
-            </a:r>
-            <a:r>
-              <a:rPr lang="en-US" altLang="ko-KR" sz="3600" dirty="0" smtClean="0">
-                <a:solidFill>
-                  <a:schemeClr val="bg1"/>
-                </a:solidFill>
-              </a:rPr>
-              <a:t>is essential factor </a:t>
-            </a:r>
-          </a:p>
-          <a:p>
-            <a:pPr algn="ctr"/>
-            <a:r>
-              <a:rPr lang="en-US" altLang="ko-KR" sz="3600" dirty="0" smtClean="0">
-                <a:solidFill>
-                  <a:schemeClr val="bg1"/>
-                </a:solidFill>
-              </a:rPr>
-              <a:t>Other variables also can be important</a:t>
-            </a:r>
-            <a:endParaRPr lang="ko-KR" altLang="ko-KR" sz="3600" dirty="0">
-              <a:solidFill>
-                <a:schemeClr val="bg1"/>
-              </a:solidFill>
-            </a:endParaRPr>
-          </a:p>
-        </p:txBody>
-      </p:sp>
-      <p:sp>
-        <p:nvSpPr>
-          <p:cNvPr id="10" name="TextBox 9"/>
-          <p:cNvSpPr txBox="1"/>
-          <p:nvPr/>
-        </p:nvSpPr>
-        <p:spPr>
-          <a:xfrm>
-            <a:off x="690876" y="620688"/>
-            <a:ext cx="5105260" cy="830997"/>
-          </a:xfrm>
-          <a:prstGeom prst="rect">
-            <a:avLst/>
-          </a:prstGeom>
-          <a:noFill/>
-        </p:spPr>
-        <p:txBody>
-          <a:bodyPr wrap="square">
-            <a:spAutoFit/>
-          </a:bodyPr>
-          <a:lstStyle/>
-          <a:p>
-            <a:pPr>
-              <a:defRPr/>
-            </a:pPr>
-            <a:r>
-              <a:rPr lang="en-US" altLang="ko-KR" sz="4800" b="1" dirty="0" smtClean="0">
-                <a:solidFill>
-                  <a:schemeClr val="bg1"/>
-                </a:solidFill>
-                <a:ea typeface="맑은 고딕" panose="020B0503020000020004" pitchFamily="50" charset="-127"/>
-              </a:rPr>
-              <a:t>Ⅳ </a:t>
-            </a:r>
-            <a:r>
-              <a:rPr lang="en-US" altLang="ko-KR" sz="4800" b="1" dirty="0" smtClean="0">
-                <a:solidFill>
-                  <a:schemeClr val="bg1"/>
-                </a:solidFill>
-                <a:ea typeface="나눔손글씨 펜" pitchFamily="66" charset="-127"/>
-              </a:rPr>
-              <a:t>Discussion </a:t>
-            </a:r>
-            <a:endParaRPr lang="en-US" altLang="ko-KR" sz="4800" b="1" dirty="0">
-              <a:solidFill>
-                <a:schemeClr val="bg1"/>
-              </a:solidFill>
-              <a:ea typeface="나눔손글씨 펜" pitchFamily="66" charset="-127"/>
-            </a:endParaRPr>
-          </a:p>
-        </p:txBody>
-      </p:sp>
-      <p:pic>
-        <p:nvPicPr>
-          <p:cNvPr id="11" name="그림 10" descr="분필제목라인.png"/>
-          <p:cNvPicPr>
-            <a:picLocks noChangeAspect="1"/>
-          </p:cNvPicPr>
-          <p:nvPr/>
-        </p:nvPicPr>
-        <p:blipFill>
-          <a:blip r:embed="rId3" cstate="print"/>
-          <a:stretch>
-            <a:fillRect/>
-          </a:stretch>
-        </p:blipFill>
-        <p:spPr>
-          <a:xfrm>
-            <a:off x="539552" y="1417425"/>
-            <a:ext cx="8067675" cy="180975"/>
-          </a:xfrm>
-          <a:prstGeom prst="rect">
-            <a:avLst/>
-          </a:prstGeom>
-        </p:spPr>
-      </p:pic>
-      <p:sp>
-        <p:nvSpPr>
-          <p:cNvPr id="6" name="TextBox 5"/>
-          <p:cNvSpPr txBox="1"/>
-          <p:nvPr/>
-        </p:nvSpPr>
-        <p:spPr>
-          <a:xfrm>
-            <a:off x="395536" y="5157192"/>
-            <a:ext cx="8280920" cy="1200329"/>
+            <a:off x="4139952" y="5157192"/>
+            <a:ext cx="4536504" cy="1754326"/>
           </a:xfrm>
           <a:prstGeom prst="rect">
             <a:avLst/>
@@ -7733,6 +7497,41 @@
           </a:p>
         </p:txBody>
       </p:sp>
+      <p:pic>
+        <p:nvPicPr>
+          <p:cNvPr id="8" name="그림 7"/>
+          <p:cNvPicPr/>
+          <p:nvPr/>
+        </p:nvPicPr>
+        <p:blipFill rotWithShape="1">
+          <a:blip r:embed="rId5" cstate="print">
+            <a:extLst>
+              <a:ext uri="{28A0092B-C50C-407E-A947-70E740481C1C}">
+                <a14:useLocalDpi xmlns:a14="http://schemas.microsoft.com/office/drawing/2010/main" val="0"/>
+              </a:ext>
+            </a:extLst>
+          </a:blip>
+          <a:srcRect l="1855" t="5664" r="1658" b="4540"/>
+          <a:stretch/>
+        </p:blipFill>
+        <p:spPr bwMode="auto">
+          <a:xfrm>
+            <a:off x="179512" y="2840742"/>
+            <a:ext cx="3960440" cy="3828618"/>
+          </a:xfrm>
+          <a:prstGeom prst="rect">
+            <a:avLst/>
+          </a:prstGeom>
+          <a:ln>
+            <a:noFill/>
+          </a:ln>
+          <a:extLst>
+            <a:ext uri="{53640926-AAD7-44D8-BBD7-CCE9431645EC}">
+              <a14:shadowObscured xmlns:a14="http://schemas.microsoft.com/office/drawing/2010/main"/>
+            </a:ext>
+          </a:extLst>
+        </p:spPr>
+      </p:pic>
     </p:spTree>
     <p:extLst>
       <p:ext uri="{BB962C8B-B14F-4D97-AF65-F5344CB8AC3E}">
@@ -7743,6 +7542,14 @@
   <p:clrMapOvr>
     <a:masterClrMapping/>
   </p:clrMapOvr>
+  <mc:AlternateContent xmlns:mc="http://schemas.openxmlformats.org/markup-compatibility/2006" xmlns:p14="http://schemas.microsoft.com/office/powerpoint/2010/main">
+    <mc:Choice Requires="p14">
+      <p:transition spd="slow" p14:dur="2000" advTm="37482"/>
+    </mc:Choice>
+    <mc:Fallback xmlns="">
+      <p:transition spd="slow" advTm="37482"/>
+    </mc:Fallback>
+  </mc:AlternateContent>
   <p:timing>
     <p:tnLst>
       <p:par>
@@ -7753,7 +7560,7 @@
 </p:sld>
 </file>
 
-<file path=ppt/slides/slide16.xml><?xml version="1.0" encoding="utf-8"?>
+<file path=ppt/slides/slide15.xml><?xml version="1.0" encoding="utf-8"?>
 <p:sld xmlns:a="http://schemas.openxmlformats.org/drawingml/2006/main" xmlns:r="http://schemas.openxmlformats.org/officeDocument/2006/relationships" xmlns:p="http://schemas.openxmlformats.org/presentationml/2006/main">
   <p:cSld>
     <p:spTree>
@@ -8103,6 +7910,14 @@
   <p:clrMapOvr>
     <a:masterClrMapping/>
   </p:clrMapOvr>
+  <mc:AlternateContent xmlns:mc="http://schemas.openxmlformats.org/markup-compatibility/2006" xmlns:p14="http://schemas.microsoft.com/office/powerpoint/2010/main">
+    <mc:Choice Requires="p14">
+      <p:transition spd="slow" p14:dur="2000" advTm="32146"/>
+    </mc:Choice>
+    <mc:Fallback xmlns="">
+      <p:transition spd="slow" advTm="32146"/>
+    </mc:Fallback>
+  </mc:AlternateContent>
   <p:timing>
     <p:tnLst>
       <p:par>
@@ -8113,7 +7928,7 @@
 </p:sld>
 </file>
 
-<file path=ppt/slides/slide17.xml><?xml version="1.0" encoding="utf-8"?>
+<file path=ppt/slides/slide16.xml><?xml version="1.0" encoding="utf-8"?>
 <p:sld xmlns:a="http://schemas.openxmlformats.org/drawingml/2006/main" xmlns:r="http://schemas.openxmlformats.org/officeDocument/2006/relationships" xmlns:p="http://schemas.openxmlformats.org/presentationml/2006/main">
   <p:cSld>
     <p:spTree>
@@ -8378,6 +8193,14 @@
   <p:clrMapOvr>
     <a:masterClrMapping/>
   </p:clrMapOvr>
+  <mc:AlternateContent xmlns:mc="http://schemas.openxmlformats.org/markup-compatibility/2006" xmlns:p14="http://schemas.microsoft.com/office/powerpoint/2010/main">
+    <mc:Choice Requires="p14">
+      <p:transition spd="slow" p14:dur="2000" advTm="964"/>
+    </mc:Choice>
+    <mc:Fallback xmlns="">
+      <p:transition spd="slow" advTm="964"/>
+    </mc:Fallback>
+  </mc:AlternateContent>
   <p:timing>
     <p:tnLst>
       <p:par>
@@ -8388,7 +8211,7 @@
 </p:sld>
 </file>
 
-<file path=ppt/slides/slide18.xml><?xml version="1.0" encoding="utf-8"?>
+<file path=ppt/slides/slide17.xml><?xml version="1.0" encoding="utf-8"?>
 <p:sld xmlns:a="http://schemas.openxmlformats.org/drawingml/2006/main" xmlns:r="http://schemas.openxmlformats.org/officeDocument/2006/relationships" xmlns:p="http://schemas.openxmlformats.org/presentationml/2006/main">
   <p:cSld>
     <p:spTree>
@@ -8520,6 +8343,14 @@
   <p:clrMapOvr>
     <a:masterClrMapping/>
   </p:clrMapOvr>
+  <mc:AlternateContent xmlns:mc="http://schemas.openxmlformats.org/markup-compatibility/2006" xmlns:p14="http://schemas.microsoft.com/office/powerpoint/2010/main">
+    <mc:Choice Requires="p14">
+      <p:transition spd="slow" p14:dur="2000" advTm="423"/>
+    </mc:Choice>
+    <mc:Fallback xmlns="">
+      <p:transition spd="slow" advTm="423"/>
+    </mc:Fallback>
+  </mc:AlternateContent>
   <p:timing>
     <p:tnLst>
       <p:par>
@@ -9006,6 +8837,14 @@
   <p:clrMapOvr>
     <a:masterClrMapping/>
   </p:clrMapOvr>
+  <mc:AlternateContent xmlns:mc="http://schemas.openxmlformats.org/markup-compatibility/2006" xmlns:p14="http://schemas.microsoft.com/office/powerpoint/2010/main">
+    <mc:Choice Requires="p14">
+      <p:transition spd="slow" p14:dur="2000" advTm="48554"/>
+    </mc:Choice>
+    <mc:Fallback xmlns="">
+      <p:transition spd="slow" advTm="48554"/>
+    </mc:Fallback>
+  </mc:AlternateContent>
   <p:timing>
     <p:tnLst>
       <p:par>
@@ -9226,6 +9065,14 @@
   <p:clrMapOvr>
     <a:masterClrMapping/>
   </p:clrMapOvr>
+  <mc:AlternateContent xmlns:mc="http://schemas.openxmlformats.org/markup-compatibility/2006" xmlns:p14="http://schemas.microsoft.com/office/powerpoint/2010/main">
+    <mc:Choice Requires="p14">
+      <p:transition spd="slow" p14:dur="2000" advTm="36257"/>
+    </mc:Choice>
+    <mc:Fallback xmlns="">
+      <p:transition spd="slow" advTm="36257"/>
+    </mc:Fallback>
+  </mc:AlternateContent>
   <p:timing>
     <p:tnLst>
       <p:par>
@@ -9454,6 +9301,14 @@
   <p:clrMapOvr>
     <a:masterClrMapping/>
   </p:clrMapOvr>
+  <mc:AlternateContent xmlns:mc="http://schemas.openxmlformats.org/markup-compatibility/2006" xmlns:p14="http://schemas.microsoft.com/office/powerpoint/2010/main">
+    <mc:Choice Requires="p14">
+      <p:transition spd="slow" p14:dur="2000" advTm="37477"/>
+    </mc:Choice>
+    <mc:Fallback xmlns="">
+      <p:transition spd="slow" advTm="37477"/>
+    </mc:Fallback>
+  </mc:AlternateContent>
   <p:timing>
     <p:tnLst>
       <p:par>
@@ -9780,6 +9635,14 @@
   <p:clrMapOvr>
     <a:masterClrMapping/>
   </p:clrMapOvr>
+  <mc:AlternateContent xmlns:mc="http://schemas.openxmlformats.org/markup-compatibility/2006" xmlns:p14="http://schemas.microsoft.com/office/powerpoint/2010/main">
+    <mc:Choice Requires="p14">
+      <p:transition spd="slow" p14:dur="2000" advTm="47826"/>
+    </mc:Choice>
+    <mc:Fallback xmlns="">
+      <p:transition spd="slow" advTm="47826"/>
+    </mc:Fallback>
+  </mc:AlternateContent>
   <p:timing>
     <p:tnLst>
       <p:par>
@@ -10041,6 +9904,14 @@
   <p:clrMapOvr>
     <a:masterClrMapping/>
   </p:clrMapOvr>
+  <mc:AlternateContent xmlns:mc="http://schemas.openxmlformats.org/markup-compatibility/2006" xmlns:p14="http://schemas.microsoft.com/office/powerpoint/2010/main">
+    <mc:Choice Requires="p14">
+      <p:transition spd="slow" p14:dur="2000" advTm="62646"/>
+    </mc:Choice>
+    <mc:Fallback xmlns="">
+      <p:transition spd="slow" advTm="62646"/>
+    </mc:Fallback>
+  </mc:AlternateContent>
   <p:timing>
     <p:tnLst>
       <p:par>
@@ -10381,6 +10252,14 @@
   <p:clrMapOvr>
     <a:masterClrMapping/>
   </p:clrMapOvr>
+  <mc:AlternateContent xmlns:mc="http://schemas.openxmlformats.org/markup-compatibility/2006" xmlns:p14="http://schemas.microsoft.com/office/powerpoint/2010/main">
+    <mc:Choice Requires="p14">
+      <p:transition spd="slow" p14:dur="2000" advTm="10345"/>
+    </mc:Choice>
+    <mc:Fallback xmlns="">
+      <p:transition spd="slow" advTm="10345"/>
+    </mc:Fallback>
+  </mc:AlternateContent>
   <p:timing>
     <p:tnLst>
       <p:par>
@@ -11409,6 +11288,14 @@
   <p:clrMapOvr>
     <a:masterClrMapping/>
   </p:clrMapOvr>
+  <mc:AlternateContent xmlns:mc="http://schemas.openxmlformats.org/markup-compatibility/2006" xmlns:p14="http://schemas.microsoft.com/office/powerpoint/2010/main">
+    <mc:Choice Requires="p14">
+      <p:transition spd="slow" p14:dur="2000" advTm="21156"/>
+    </mc:Choice>
+    <mc:Fallback xmlns="">
+      <p:transition spd="slow" advTm="21156"/>
+    </mc:Fallback>
+  </mc:AlternateContent>
   <p:timing>
     <p:tnLst>
       <p:par>
@@ -11740,6 +11627,14 @@
   <p:clrMapOvr>
     <a:masterClrMapping/>
   </p:clrMapOvr>
+  <mc:AlternateContent xmlns:mc="http://schemas.openxmlformats.org/markup-compatibility/2006" xmlns:p14="http://schemas.microsoft.com/office/powerpoint/2010/main">
+    <mc:Choice Requires="p14">
+      <p:transition spd="slow" p14:dur="2000" advTm="14417"/>
+    </mc:Choice>
+    <mc:Fallback xmlns="">
+      <p:transition spd="slow" advTm="14417"/>
+    </mc:Fallback>
+  </mc:AlternateContent>
   <p:timing>
     <p:tnLst>
       <p:par>
@@ -12256,4 +12151,265 @@
   <a:objectDefaults/>
   <a:extraClrSchemeLst/>
 </a:theme>
+</file>
+
+<file path=ppt/theme/theme3.xml><?xml version="1.0" encoding="utf-8"?>
+<a:theme xmlns:a="http://schemas.openxmlformats.org/drawingml/2006/main" name="Office 테마">
+  <a:themeElements>
+    <a:clrScheme name="Office">
+      <a:dk1>
+        <a:sysClr val="windowText" lastClr="000000"/>
+      </a:dk1>
+      <a:lt1>
+        <a:sysClr val="window" lastClr="FFFFFF"/>
+      </a:lt1>
+      <a:dk2>
+        <a:srgbClr val="44546A"/>
+      </a:dk2>
+      <a:lt2>
+        <a:srgbClr val="E7E6E6"/>
+      </a:lt2>
+      <a:accent1>
+        <a:srgbClr val="5B9BD5"/>
+      </a:accent1>
+      <a:accent2>
+        <a:srgbClr val="ED7D31"/>
+      </a:accent2>
+      <a:accent3>
+        <a:srgbClr val="A5A5A5"/>
+      </a:accent3>
+      <a:accent4>
+        <a:srgbClr val="FFC000"/>
+      </a:accent4>
+      <a:accent5>
+        <a:srgbClr val="4472C4"/>
+      </a:accent5>
+      <a:accent6>
+        <a:srgbClr val="70AD47"/>
+      </a:accent6>
+      <a:hlink>
+        <a:srgbClr val="0563C1"/>
+      </a:hlink>
+      <a:folHlink>
+        <a:srgbClr val="954F72"/>
+      </a:folHlink>
+    </a:clrScheme>
+    <a:fontScheme name="Office">
+      <a:majorFont>
+        <a:latin typeface="맑은 고딕" panose="020F0302020204030204"/>
+        <a:ea typeface=""/>
+        <a:cs typeface=""/>
+        <a:font script="Jpan" typeface="ＭＳ Ｐゴシック"/>
+        <a:font script="Hang" typeface="맑은 고딕"/>
+        <a:font script="Hans" typeface="宋体"/>
+        <a:font script="Hant" typeface="新細明體"/>
+        <a:font script="Arab" typeface="Times New Roman"/>
+        <a:font script="Hebr" typeface="Times New Roman"/>
+        <a:font script="Thai" typeface="Angsana New"/>
+        <a:font script="Ethi" typeface="Nyala"/>
+        <a:font script="Beng" typeface="Vrinda"/>
+        <a:font script="Gujr" typeface="Shruti"/>
+        <a:font script="Khmr" typeface="MoolBoran"/>
+        <a:font script="Knda" typeface="Tunga"/>
+        <a:font script="Guru" typeface="Raavi"/>
+        <a:font script="Cans" typeface="Euphemia"/>
+        <a:font script="Cher" typeface="Plantagenet Cherokee"/>
+        <a:font script="Yiii" typeface="Microsoft Yi Baiti"/>
+        <a:font script="Tibt" typeface="Microsoft Himalaya"/>
+        <a:font script="Thaa" typeface="MV Boli"/>
+        <a:font script="Deva" typeface="Mangal"/>
+        <a:font script="Telu" typeface="Gautami"/>
+        <a:font script="Taml" typeface="Latha"/>
+        <a:font script="Syrc" typeface="Estrangelo Edessa"/>
+        <a:font script="Orya" typeface="Kalinga"/>
+        <a:font script="Mlym" typeface="Kartika"/>
+        <a:font script="Laoo" typeface="DokChampa"/>
+        <a:font script="Sinh" typeface="Iskoola Pota"/>
+        <a:font script="Mong" typeface="Mongolian Baiti"/>
+        <a:font script="Viet" typeface="Times New Roman"/>
+        <a:font script="Uigh" typeface="Microsoft Uighur"/>
+        <a:font script="Geor" typeface="Sylfaen"/>
+      </a:majorFont>
+      <a:minorFont>
+        <a:latin typeface="맑은 고딕" panose="020F0502020204030204"/>
+        <a:ea typeface=""/>
+        <a:cs typeface=""/>
+        <a:font script="Jpan" typeface="ＭＳ Ｐゴシック"/>
+        <a:font script="Hang" typeface="맑은 고딕"/>
+        <a:font script="Hans" typeface="宋体"/>
+        <a:font script="Hant" typeface="新細明體"/>
+        <a:font script="Arab" typeface="Arial"/>
+        <a:font script="Hebr" typeface="Arial"/>
+        <a:font script="Thai" typeface="Cordia New"/>
+        <a:font script="Ethi" typeface="Nyala"/>
+        <a:font script="Beng" typeface="Vrinda"/>
+        <a:font script="Gujr" typeface="Shruti"/>
+        <a:font script="Khmr" typeface="DaunPenh"/>
+        <a:font script="Knda" typeface="Tunga"/>
+        <a:font script="Guru" typeface="Raavi"/>
+        <a:font script="Cans" typeface="Euphemia"/>
+        <a:font script="Cher" typeface="Plantagenet Cherokee"/>
+        <a:font script="Yiii" typeface="Microsoft Yi Baiti"/>
+        <a:font script="Tibt" typeface="Microsoft Himalaya"/>
+        <a:font script="Thaa" typeface="MV Boli"/>
+        <a:font script="Deva" typeface="Mangal"/>
+        <a:font script="Telu" typeface="Gautami"/>
+        <a:font script="Taml" typeface="Latha"/>
+        <a:font script="Syrc" typeface="Estrangelo Edessa"/>
+        <a:font script="Orya" typeface="Kalinga"/>
+        <a:font script="Mlym" typeface="Kartika"/>
+        <a:font script="Laoo" typeface="DokChampa"/>
+        <a:font script="Sinh" typeface="Iskoola Pota"/>
+        <a:font script="Mong" typeface="Mongolian Baiti"/>
+        <a:font script="Viet" typeface="Arial"/>
+        <a:font script="Uigh" typeface="Microsoft Uighur"/>
+        <a:font script="Geor" typeface="Sylfaen"/>
+      </a:minorFont>
+    </a:fontScheme>
+    <a:fmtScheme name="Office">
+      <a:fillStyleLst>
+        <a:solidFill>
+          <a:schemeClr val="phClr"/>
+        </a:solidFill>
+        <a:gradFill rotWithShape="1">
+          <a:gsLst>
+            <a:gs pos="0">
+              <a:schemeClr val="phClr">
+                <a:lumMod val="110000"/>
+                <a:satMod val="105000"/>
+                <a:tint val="67000"/>
+              </a:schemeClr>
+            </a:gs>
+            <a:gs pos="50000">
+              <a:schemeClr val="phClr">
+                <a:lumMod val="105000"/>
+                <a:satMod val="103000"/>
+                <a:tint val="73000"/>
+              </a:schemeClr>
+            </a:gs>
+            <a:gs pos="100000">
+              <a:schemeClr val="phClr">
+                <a:lumMod val="105000"/>
+                <a:satMod val="109000"/>
+                <a:tint val="81000"/>
+              </a:schemeClr>
+            </a:gs>
+          </a:gsLst>
+          <a:lin ang="5400000" scaled="0"/>
+        </a:gradFill>
+        <a:gradFill rotWithShape="1">
+          <a:gsLst>
+            <a:gs pos="0">
+              <a:schemeClr val="phClr">
+                <a:satMod val="103000"/>
+                <a:lumMod val="102000"/>
+                <a:tint val="94000"/>
+              </a:schemeClr>
+            </a:gs>
+            <a:gs pos="50000">
+              <a:schemeClr val="phClr">
+                <a:satMod val="110000"/>
+                <a:lumMod val="100000"/>
+                <a:shade val="100000"/>
+              </a:schemeClr>
+            </a:gs>
+            <a:gs pos="100000">
+              <a:schemeClr val="phClr">
+                <a:lumMod val="99000"/>
+                <a:satMod val="120000"/>
+                <a:shade val="78000"/>
+              </a:schemeClr>
+            </a:gs>
+          </a:gsLst>
+          <a:lin ang="5400000" scaled="0"/>
+        </a:gradFill>
+      </a:fillStyleLst>
+      <a:lnStyleLst>
+        <a:ln w="6350" cap="flat" cmpd="sng" algn="ctr">
+          <a:solidFill>
+            <a:schemeClr val="phClr"/>
+          </a:solidFill>
+          <a:prstDash val="solid"/>
+          <a:miter lim="800000"/>
+        </a:ln>
+        <a:ln w="12700" cap="flat" cmpd="sng" algn="ctr">
+          <a:solidFill>
+            <a:schemeClr val="phClr"/>
+          </a:solidFill>
+          <a:prstDash val="solid"/>
+          <a:miter lim="800000"/>
+        </a:ln>
+        <a:ln w="19050" cap="flat" cmpd="sng" algn="ctr">
+          <a:solidFill>
+            <a:schemeClr val="phClr"/>
+          </a:solidFill>
+          <a:prstDash val="solid"/>
+          <a:miter lim="800000"/>
+        </a:ln>
+      </a:lnStyleLst>
+      <a:effectStyleLst>
+        <a:effectStyle>
+          <a:effectLst/>
+        </a:effectStyle>
+        <a:effectStyle>
+          <a:effectLst/>
+        </a:effectStyle>
+        <a:effectStyle>
+          <a:effectLst>
+            <a:outerShdw blurRad="57150" dist="19050" dir="5400000" algn="ctr" rotWithShape="0">
+              <a:srgbClr val="000000">
+                <a:alpha val="63000"/>
+              </a:srgbClr>
+            </a:outerShdw>
+          </a:effectLst>
+        </a:effectStyle>
+      </a:effectStyleLst>
+      <a:bgFillStyleLst>
+        <a:solidFill>
+          <a:schemeClr val="phClr"/>
+        </a:solidFill>
+        <a:solidFill>
+          <a:schemeClr val="phClr">
+            <a:tint val="95000"/>
+            <a:satMod val="170000"/>
+          </a:schemeClr>
+        </a:solidFill>
+        <a:gradFill rotWithShape="1">
+          <a:gsLst>
+            <a:gs pos="0">
+              <a:schemeClr val="phClr">
+                <a:tint val="93000"/>
+                <a:satMod val="150000"/>
+                <a:shade val="98000"/>
+                <a:lumMod val="102000"/>
+              </a:schemeClr>
+            </a:gs>
+            <a:gs pos="50000">
+              <a:schemeClr val="phClr">
+                <a:tint val="98000"/>
+                <a:satMod val="130000"/>
+                <a:shade val="90000"/>
+                <a:lumMod val="103000"/>
+              </a:schemeClr>
+            </a:gs>
+            <a:gs pos="100000">
+              <a:schemeClr val="phClr">
+                <a:shade val="63000"/>
+                <a:satMod val="120000"/>
+              </a:schemeClr>
+            </a:gs>
+          </a:gsLst>
+          <a:lin ang="5400000" scaled="0"/>
+        </a:gradFill>
+      </a:bgFillStyleLst>
+    </a:fmtScheme>
+  </a:themeElements>
+  <a:objectDefaults/>
+  <a:extraClrSchemeLst/>
+  <a:extLst>
+    <a:ext uri="{05A4C25C-085E-4340-85A3-A5531E510DB2}">
+      <thm15:themeFamily xmlns:thm15="http://schemas.microsoft.com/office/thememl/2012/main" name="Office Theme" id="{62F939B6-93AF-4DB8-9C6B-D6C7DFDC589F}" vid="{4A3C46E8-61CC-4603-A589-7422A47A8E4A}"/>
+    </a:ext>
+  </a:extLst>
+</a:theme>
 </file>
--- a/Final Presentation.pptx
+++ b/Final Presentation.pptx
@@ -33,22 +33,22 @@
   <p:notesSz cx="6858000" cy="9144000"/>
   <p:embeddedFontLst>
     <p:embeddedFont>
-      <p:font typeface="나눔고딕" panose="020B0600000101010101" charset="-127"/>
+      <p:font typeface="나눔고딕" panose="020D0604000000000000" pitchFamily="50" charset="-127"/>
       <p:regular r:id="rId21"/>
       <p:bold r:id="rId22"/>
     </p:embeddedFont>
     <p:embeddedFont>
-      <p:font typeface="Segoe WP" panose="020B0604020202020204" charset="0"/>
+      <p:font typeface="맑은 고딕" panose="020B0503020000020004" pitchFamily="50" charset="-127"/>
       <p:regular r:id="rId23"/>
       <p:bold r:id="rId24"/>
     </p:embeddedFont>
     <p:embeddedFont>
-      <p:font typeface="맑은 고딕" panose="020B0503020000020004" pitchFamily="50" charset="-127"/>
+      <p:font typeface="Segoe WP" panose="020B0604020202020204" charset="0"/>
       <p:regular r:id="rId25"/>
       <p:bold r:id="rId26"/>
     </p:embeddedFont>
     <p:embeddedFont>
-      <p:font typeface="나눔손글씨 펜" panose="020B0600000101010101" charset="-127"/>
+      <p:font typeface="나눔손글씨 펜" panose="03040600000000000000" pitchFamily="66" charset="-127"/>
       <p:regular r:id="rId27"/>
     </p:embeddedFont>
   </p:embeddedFontLst>
@@ -5324,12 +5324,12 @@
   <p:clrMapOvr>
     <a:masterClrMapping/>
   </p:clrMapOvr>
-  <mc:AlternateContent xmlns:mc="http://schemas.openxmlformats.org/markup-compatibility/2006" xmlns:p14="http://schemas.microsoft.com/office/powerpoint/2010/main">
-    <mc:Choice Requires="p14">
-      <p:transition spd="slow" p14:dur="2000" advTm="21749"/>
+  <mc:AlternateContent xmlns:mc="http://schemas.openxmlformats.org/markup-compatibility/2006">
+    <mc:Choice xmlns:p14="http://schemas.microsoft.com/office/powerpoint/2010/main" Requires="p14">
+      <p:transition spd="slow" p14:dur="2000" advTm="16159"/>
     </mc:Choice>
-    <mc:Fallback xmlns="">
-      <p:transition spd="slow" advTm="21749"/>
+    <mc:Fallback>
+      <p:transition spd="slow" advTm="16159"/>
     </mc:Fallback>
   </mc:AlternateContent>
   <p:timing>
@@ -6227,12 +6227,12 @@
   <p:clrMapOvr>
     <a:masterClrMapping/>
   </p:clrMapOvr>
-  <mc:AlternateContent xmlns:mc="http://schemas.openxmlformats.org/markup-compatibility/2006" xmlns:p14="http://schemas.microsoft.com/office/powerpoint/2010/main">
-    <mc:Choice Requires="p14">
-      <p:transition spd="slow" p14:dur="2000" advTm="21229"/>
+  <mc:AlternateContent xmlns:mc="http://schemas.openxmlformats.org/markup-compatibility/2006">
+    <mc:Choice xmlns:p14="http://schemas.microsoft.com/office/powerpoint/2010/main" Requires="p14">
+      <p:transition spd="slow" p14:dur="2000" advTm="6896"/>
     </mc:Choice>
-    <mc:Fallback xmlns="">
-      <p:transition spd="slow" advTm="21229"/>
+    <mc:Fallback>
+      <p:transition spd="slow" advTm="6896"/>
     </mc:Fallback>
   </mc:AlternateContent>
   <p:timing>
@@ -6564,12 +6564,12 @@
   <p:clrMapOvr>
     <a:masterClrMapping/>
   </p:clrMapOvr>
-  <mc:AlternateContent xmlns:mc="http://schemas.openxmlformats.org/markup-compatibility/2006" xmlns:p14="http://schemas.microsoft.com/office/powerpoint/2010/main">
-    <mc:Choice Requires="p14">
-      <p:transition spd="slow" p14:dur="2000" advTm="46523"/>
+  <mc:AlternateContent xmlns:mc="http://schemas.openxmlformats.org/markup-compatibility/2006">
+    <mc:Choice xmlns:p14="http://schemas.microsoft.com/office/powerpoint/2010/main" Requires="p14">
+      <p:transition spd="slow" p14:dur="2000" advTm="37374"/>
     </mc:Choice>
-    <mc:Fallback xmlns="">
-      <p:transition spd="slow" advTm="46523"/>
+    <mc:Fallback>
+      <p:transition spd="slow" advTm="37374"/>
     </mc:Fallback>
   </mc:AlternateContent>
   <p:timing>
@@ -6932,12 +6932,12 @@
   <p:clrMapOvr>
     <a:masterClrMapping/>
   </p:clrMapOvr>
-  <mc:AlternateContent xmlns:mc="http://schemas.openxmlformats.org/markup-compatibility/2006" xmlns:p14="http://schemas.microsoft.com/office/powerpoint/2010/main">
-    <mc:Choice Requires="p14">
-      <p:transition spd="slow" p14:dur="2000" advTm="33046"/>
+  <mc:AlternateContent xmlns:mc="http://schemas.openxmlformats.org/markup-compatibility/2006">
+    <mc:Choice xmlns:p14="http://schemas.microsoft.com/office/powerpoint/2010/main" Requires="p14">
+      <p:transition spd="slow" p14:dur="2000" advTm="54352"/>
     </mc:Choice>
-    <mc:Fallback xmlns="">
-      <p:transition spd="slow" advTm="33046"/>
+    <mc:Fallback>
+      <p:transition spd="slow" advTm="54352"/>
     </mc:Fallback>
   </mc:AlternateContent>
   <p:timing>
@@ -7012,7 +7012,63 @@
                   <a:schemeClr val="bg1"/>
                 </a:solidFill>
               </a:rPr>
-              <a:t>41.1%, 35.1%, 34.6%</a:t>
+              <a:t>41.1</a:t>
+            </a:r>
+            <a:r>
+              <a:rPr lang="en-US" altLang="ko-KR" sz="4400" dirty="0" smtClean="0">
+                <a:solidFill>
+                  <a:schemeClr val="bg1"/>
+                </a:solidFill>
+              </a:rPr>
+              <a:t>%(</a:t>
+            </a:r>
+            <a:r>
+              <a:rPr lang="en-US" altLang="ko-KR" sz="4400" dirty="0" smtClean="0">
+                <a:solidFill>
+                  <a:schemeClr val="bg1"/>
+                </a:solidFill>
+              </a:rPr>
+              <a:t>logistic)</a:t>
+            </a:r>
+            <a:r>
+              <a:rPr lang="en-US" altLang="ko-KR" sz="4400" dirty="0" smtClean="0">
+                <a:solidFill>
+                  <a:schemeClr val="bg1"/>
+                </a:solidFill>
+              </a:rPr>
+              <a:t>, </a:t>
+            </a:r>
+            <a:r>
+              <a:rPr lang="en-US" altLang="ko-KR" sz="4400" dirty="0" smtClean="0">
+                <a:solidFill>
+                  <a:schemeClr val="bg1"/>
+                </a:solidFill>
+              </a:rPr>
+              <a:t>35.1</a:t>
+            </a:r>
+            <a:r>
+              <a:rPr lang="en-US" altLang="ko-KR" sz="4400" dirty="0" smtClean="0">
+                <a:solidFill>
+                  <a:schemeClr val="bg1"/>
+                </a:solidFill>
+              </a:rPr>
+              <a:t>%(QDA), </a:t>
+            </a:r>
+            <a:r>
+              <a:rPr lang="en-US" altLang="ko-KR" sz="4400" dirty="0" smtClean="0">
+                <a:solidFill>
+                  <a:schemeClr val="bg1"/>
+                </a:solidFill>
+              </a:rPr>
+              <a:t>34.6</a:t>
+            </a:r>
+            <a:r>
+              <a:rPr lang="en-US" altLang="ko-KR" sz="4400" dirty="0" smtClean="0">
+                <a:solidFill>
+                  <a:schemeClr val="bg1"/>
+                </a:solidFill>
+              </a:rPr>
+              <a:t>%(C.T.)</a:t>
             </a:r>
             <a:endParaRPr lang="ko-KR" altLang="ko-KR" sz="4400" dirty="0">
               <a:solidFill>
@@ -7193,12 +7249,12 @@
   <p:clrMapOvr>
     <a:masterClrMapping/>
   </p:clrMapOvr>
-  <mc:AlternateContent xmlns:mc="http://schemas.openxmlformats.org/markup-compatibility/2006" xmlns:p14="http://schemas.microsoft.com/office/powerpoint/2010/main">
-    <mc:Choice Requires="p14">
-      <p:transition spd="slow" p14:dur="2000" advTm="49531"/>
+  <mc:AlternateContent xmlns:mc="http://schemas.openxmlformats.org/markup-compatibility/2006">
+    <mc:Choice xmlns:p14="http://schemas.microsoft.com/office/powerpoint/2010/main" Requires="p14">
+      <p:transition spd="slow" p14:dur="2000" advTm="39421"/>
     </mc:Choice>
-    <mc:Fallback xmlns="">
-      <p:transition spd="slow" advTm="49531"/>
+    <mc:Fallback>
+      <p:transition spd="slow" advTm="39421"/>
     </mc:Fallback>
   </mc:AlternateContent>
   <p:timing>
@@ -7542,12 +7598,12 @@
   <p:clrMapOvr>
     <a:masterClrMapping/>
   </p:clrMapOvr>
-  <mc:AlternateContent xmlns:mc="http://schemas.openxmlformats.org/markup-compatibility/2006" xmlns:p14="http://schemas.microsoft.com/office/powerpoint/2010/main">
-    <mc:Choice Requires="p14">
-      <p:transition spd="slow" p14:dur="2000" advTm="37482"/>
+  <mc:AlternateContent xmlns:mc="http://schemas.openxmlformats.org/markup-compatibility/2006">
+    <mc:Choice xmlns:p14="http://schemas.microsoft.com/office/powerpoint/2010/main" Requires="p14">
+      <p:transition spd="slow" p14:dur="2000" advTm="30453"/>
     </mc:Choice>
-    <mc:Fallback xmlns="">
-      <p:transition spd="slow" advTm="37482"/>
+    <mc:Fallback>
+      <p:transition spd="slow" advTm="30453"/>
     </mc:Fallback>
   </mc:AlternateContent>
   <p:timing>
@@ -7910,12 +7966,12 @@
   <p:clrMapOvr>
     <a:masterClrMapping/>
   </p:clrMapOvr>
-  <mc:AlternateContent xmlns:mc="http://schemas.openxmlformats.org/markup-compatibility/2006" xmlns:p14="http://schemas.microsoft.com/office/powerpoint/2010/main">
-    <mc:Choice Requires="p14">
-      <p:transition spd="slow" p14:dur="2000" advTm="32146"/>
+  <mc:AlternateContent xmlns:mc="http://schemas.openxmlformats.org/markup-compatibility/2006">
+    <mc:Choice xmlns:p14="http://schemas.microsoft.com/office/powerpoint/2010/main" Requires="p14">
+      <p:transition spd="slow" p14:dur="2000" advTm="46399"/>
     </mc:Choice>
-    <mc:Fallback xmlns="">
-      <p:transition spd="slow" advTm="32146"/>
+    <mc:Fallback>
+      <p:transition spd="slow" advTm="46399"/>
     </mc:Fallback>
   </mc:AlternateContent>
   <p:timing>
@@ -8193,12 +8249,12 @@
   <p:clrMapOvr>
     <a:masterClrMapping/>
   </p:clrMapOvr>
-  <mc:AlternateContent xmlns:mc="http://schemas.openxmlformats.org/markup-compatibility/2006" xmlns:p14="http://schemas.microsoft.com/office/powerpoint/2010/main">
-    <mc:Choice Requires="p14">
-      <p:transition spd="slow" p14:dur="2000" advTm="964"/>
+  <mc:AlternateContent xmlns:mc="http://schemas.openxmlformats.org/markup-compatibility/2006">
+    <mc:Choice xmlns:p14="http://schemas.microsoft.com/office/powerpoint/2010/main" Requires="p14">
+      <p:transition spd="slow" p14:dur="2000" advTm="392"/>
     </mc:Choice>
-    <mc:Fallback xmlns="">
-      <p:transition spd="slow" advTm="964"/>
+    <mc:Fallback>
+      <p:transition spd="slow" advTm="392"/>
     </mc:Fallback>
   </mc:AlternateContent>
   <p:timing>
@@ -8343,12 +8399,12 @@
   <p:clrMapOvr>
     <a:masterClrMapping/>
   </p:clrMapOvr>
-  <mc:AlternateContent xmlns:mc="http://schemas.openxmlformats.org/markup-compatibility/2006" xmlns:p14="http://schemas.microsoft.com/office/powerpoint/2010/main">
-    <mc:Choice Requires="p14">
-      <p:transition spd="slow" p14:dur="2000" advTm="423"/>
+  <mc:AlternateContent xmlns:mc="http://schemas.openxmlformats.org/markup-compatibility/2006">
+    <mc:Choice xmlns:p14="http://schemas.microsoft.com/office/powerpoint/2010/main" Requires="p14">
+      <p:transition spd="slow" p14:dur="2000" advTm="352"/>
     </mc:Choice>
-    <mc:Fallback xmlns="">
-      <p:transition spd="slow" advTm="423"/>
+    <mc:Fallback>
+      <p:transition spd="slow" advTm="352"/>
     </mc:Fallback>
   </mc:AlternateContent>
   <p:timing>
@@ -8837,12 +8893,12 @@
   <p:clrMapOvr>
     <a:masterClrMapping/>
   </p:clrMapOvr>
-  <mc:AlternateContent xmlns:mc="http://schemas.openxmlformats.org/markup-compatibility/2006" xmlns:p14="http://schemas.microsoft.com/office/powerpoint/2010/main">
-    <mc:Choice Requires="p14">
-      <p:transition spd="slow" p14:dur="2000" advTm="48554"/>
+  <mc:AlternateContent xmlns:mc="http://schemas.openxmlformats.org/markup-compatibility/2006">
+    <mc:Choice xmlns:p14="http://schemas.microsoft.com/office/powerpoint/2010/main" Requires="p14">
+      <p:transition spd="slow" p14:dur="2000" advTm="43639"/>
     </mc:Choice>
-    <mc:Fallback xmlns="">
-      <p:transition spd="slow" advTm="48554"/>
+    <mc:Fallback>
+      <p:transition spd="slow" advTm="43639"/>
     </mc:Fallback>
   </mc:AlternateContent>
   <p:timing>
@@ -9065,12 +9121,12 @@
   <p:clrMapOvr>
     <a:masterClrMapping/>
   </p:clrMapOvr>
-  <mc:AlternateContent xmlns:mc="http://schemas.openxmlformats.org/markup-compatibility/2006" xmlns:p14="http://schemas.microsoft.com/office/powerpoint/2010/main">
-    <mc:Choice Requires="p14">
-      <p:transition spd="slow" p14:dur="2000" advTm="36257"/>
+  <mc:AlternateContent xmlns:mc="http://schemas.openxmlformats.org/markup-compatibility/2006">
+    <mc:Choice xmlns:p14="http://schemas.microsoft.com/office/powerpoint/2010/main" Requires="p14">
+      <p:transition spd="slow" p14:dur="2000" advTm="45126"/>
     </mc:Choice>
-    <mc:Fallback xmlns="">
-      <p:transition spd="slow" advTm="36257"/>
+    <mc:Fallback>
+      <p:transition spd="slow" advTm="45126"/>
     </mc:Fallback>
   </mc:AlternateContent>
   <p:timing>
@@ -9301,12 +9357,12 @@
   <p:clrMapOvr>
     <a:masterClrMapping/>
   </p:clrMapOvr>
-  <mc:AlternateContent xmlns:mc="http://schemas.openxmlformats.org/markup-compatibility/2006" xmlns:p14="http://schemas.microsoft.com/office/powerpoint/2010/main">
-    <mc:Choice Requires="p14">
-      <p:transition spd="slow" p14:dur="2000" advTm="37477"/>
+  <mc:AlternateContent xmlns:mc="http://schemas.openxmlformats.org/markup-compatibility/2006">
+    <mc:Choice xmlns:p14="http://schemas.microsoft.com/office/powerpoint/2010/main" Requires="p14">
+      <p:transition spd="slow" p14:dur="2000" advTm="24132"/>
     </mc:Choice>
-    <mc:Fallback xmlns="">
-      <p:transition spd="slow" advTm="37477"/>
+    <mc:Fallback>
+      <p:transition spd="slow" advTm="24132"/>
     </mc:Fallback>
   </mc:AlternateContent>
   <p:timing>
@@ -9635,12 +9691,12 @@
   <p:clrMapOvr>
     <a:masterClrMapping/>
   </p:clrMapOvr>
-  <mc:AlternateContent xmlns:mc="http://schemas.openxmlformats.org/markup-compatibility/2006" xmlns:p14="http://schemas.microsoft.com/office/powerpoint/2010/main">
-    <mc:Choice Requires="p14">
-      <p:transition spd="slow" p14:dur="2000" advTm="47826"/>
+  <mc:AlternateContent xmlns:mc="http://schemas.openxmlformats.org/markup-compatibility/2006">
+    <mc:Choice xmlns:p14="http://schemas.microsoft.com/office/powerpoint/2010/main" Requires="p14">
+      <p:transition spd="slow" p14:dur="2000" advTm="47495"/>
     </mc:Choice>
-    <mc:Fallback xmlns="">
-      <p:transition spd="slow" advTm="47826"/>
+    <mc:Fallback>
+      <p:transition spd="slow" advTm="47495"/>
     </mc:Fallback>
   </mc:AlternateContent>
   <p:timing>
@@ -9904,12 +9960,12 @@
   <p:clrMapOvr>
     <a:masterClrMapping/>
   </p:clrMapOvr>
-  <mc:AlternateContent xmlns:mc="http://schemas.openxmlformats.org/markup-compatibility/2006" xmlns:p14="http://schemas.microsoft.com/office/powerpoint/2010/main">
-    <mc:Choice Requires="p14">
-      <p:transition spd="slow" p14:dur="2000" advTm="62646"/>
+  <mc:AlternateContent xmlns:mc="http://schemas.openxmlformats.org/markup-compatibility/2006">
+    <mc:Choice xmlns:p14="http://schemas.microsoft.com/office/powerpoint/2010/main" Requires="p14">
+      <p:transition spd="slow" p14:dur="2000" advTm="66386"/>
     </mc:Choice>
-    <mc:Fallback xmlns="">
-      <p:transition spd="slow" advTm="62646"/>
+    <mc:Fallback>
+      <p:transition spd="slow" advTm="66386"/>
     </mc:Fallback>
   </mc:AlternateContent>
   <p:timing>
@@ -10252,12 +10308,12 @@
   <p:clrMapOvr>
     <a:masterClrMapping/>
   </p:clrMapOvr>
-  <mc:AlternateContent xmlns:mc="http://schemas.openxmlformats.org/markup-compatibility/2006" xmlns:p14="http://schemas.microsoft.com/office/powerpoint/2010/main">
-    <mc:Choice Requires="p14">
-      <p:transition spd="slow" p14:dur="2000" advTm="10345"/>
+  <mc:AlternateContent xmlns:mc="http://schemas.openxmlformats.org/markup-compatibility/2006">
+    <mc:Choice xmlns:p14="http://schemas.microsoft.com/office/powerpoint/2010/main" Requires="p14">
+      <p:transition spd="slow" p14:dur="2000" advTm="12281"/>
     </mc:Choice>
-    <mc:Fallback xmlns="">
-      <p:transition spd="slow" advTm="10345"/>
+    <mc:Fallback>
+      <p:transition spd="slow" advTm="12281"/>
     </mc:Fallback>
   </mc:AlternateContent>
   <p:timing>
@@ -11288,12 +11344,12 @@
   <p:clrMapOvr>
     <a:masterClrMapping/>
   </p:clrMapOvr>
-  <mc:AlternateContent xmlns:mc="http://schemas.openxmlformats.org/markup-compatibility/2006" xmlns:p14="http://schemas.microsoft.com/office/powerpoint/2010/main">
-    <mc:Choice Requires="p14">
-      <p:transition spd="slow" p14:dur="2000" advTm="21156"/>
+  <mc:AlternateContent xmlns:mc="http://schemas.openxmlformats.org/markup-compatibility/2006">
+    <mc:Choice xmlns:p14="http://schemas.microsoft.com/office/powerpoint/2010/main" Requires="p14">
+      <p:transition spd="slow" p14:dur="2000" advTm="18395"/>
     </mc:Choice>
-    <mc:Fallback xmlns="">
-      <p:transition spd="slow" advTm="21156"/>
+    <mc:Fallback>
+      <p:transition spd="slow" advTm="18395"/>
     </mc:Fallback>
   </mc:AlternateContent>
   <p:timing>
@@ -11627,12 +11683,12 @@
   <p:clrMapOvr>
     <a:masterClrMapping/>
   </p:clrMapOvr>
-  <mc:AlternateContent xmlns:mc="http://schemas.openxmlformats.org/markup-compatibility/2006" xmlns:p14="http://schemas.microsoft.com/office/powerpoint/2010/main">
-    <mc:Choice Requires="p14">
-      <p:transition spd="slow" p14:dur="2000" advTm="14417"/>
+  <mc:AlternateContent xmlns:mc="http://schemas.openxmlformats.org/markup-compatibility/2006">
+    <mc:Choice xmlns:p14="http://schemas.microsoft.com/office/powerpoint/2010/main" Requires="p14">
+      <p:transition spd="slow" p14:dur="2000" advTm="17019"/>
     </mc:Choice>
-    <mc:Fallback xmlns="">
-      <p:transition spd="slow" advTm="14417"/>
+    <mc:Fallback>
+      <p:transition spd="slow" advTm="17019"/>
     </mc:Fallback>
   </mc:AlternateContent>
   <p:timing>
